--- a/Courses/Computer-Modeling-and-IT/Computer-Modeling-and-IT-5-Class/18-Drawing-Figures/18-Drawing-Figures.pptx
+++ b/Courses/Computer-Modeling-and-IT/Computer-Modeling-and-IT-5-Class/18-Drawing-Figures/18-Drawing-Figures.pptx
@@ -579,7 +579,7 @@
           <a:p>
             <a:fld id="{4E087215-0C8F-4762-A664-737A353EC9A4}" type="datetimeFigureOut">
               <a:rPr lang="bg-BG" smtClean="0"/>
-              <a:t>20.8.2023 г.</a:t>
+              <a:t>3.1.2024 г.</a:t>
             </a:fld>
             <a:endParaRPr lang="bg-BG"/>
           </a:p>
@@ -756,7 +756,7 @@
           <a:p>
             <a:fld id="{72D84649-876A-46C9-8472-14CB09C070D8}" type="datetimeFigureOut">
               <a:rPr lang="en-US" smtClean="0"/>
-              <a:t>8/20/2023</a:t>
+              <a:t>3-Jan-24</a:t>
             </a:fld>
             <a:endParaRPr lang="en-US"/>
           </a:p>
@@ -3026,7 +3026,7 @@
             <a:fld id="{055373AC-9AA7-423B-BA00-BA1C74164DBD}" type="datetime1">
               <a:rPr lang="en-US" smtClean="0"/>
               <a:pPr/>
-              <a:t>8/20/2023</a:t>
+              <a:t>3-Jan-24</a:t>
             </a:fld>
             <a:endParaRPr lang="en-US" dirty="0"/>
           </a:p>
@@ -3705,7 +3705,7 @@
             <a:fld id="{055373AC-9AA7-423B-BA00-BA1C74164DBD}" type="datetime1">
               <a:rPr lang="en-US" smtClean="0"/>
               <a:pPr/>
-              <a:t>8/20/2023</a:t>
+              <a:t>3-Jan-24</a:t>
             </a:fld>
             <a:endParaRPr lang="en-US" dirty="0"/>
           </a:p>
@@ -4464,7 +4464,7 @@
             <a:fld id="{055373AC-9AA7-423B-BA00-BA1C74164DBD}" type="datetime1">
               <a:rPr lang="en-US" smtClean="0"/>
               <a:pPr/>
-              <a:t>8/20/2023</a:t>
+              <a:t>3-Jan-24</a:t>
             </a:fld>
             <a:endParaRPr lang="en-US" dirty="0"/>
           </a:p>
@@ -4959,7 +4959,7 @@
             <a:fld id="{055373AC-9AA7-423B-BA00-BA1C74164DBD}" type="datetime1">
               <a:rPr lang="en-US" smtClean="0"/>
               <a:pPr/>
-              <a:t>8/20/2023</a:t>
+              <a:t>3-Jan-24</a:t>
             </a:fld>
             <a:endParaRPr lang="en-US" dirty="0"/>
           </a:p>
@@ -7069,7 +7069,7 @@
             <a:fld id="{055373AC-9AA7-423B-BA00-BA1C74164DBD}" type="datetime1">
               <a:rPr lang="en-US" smtClean="0"/>
               <a:pPr/>
-              <a:t>8/20/2023</a:t>
+              <a:t>3-Jan-24</a:t>
             </a:fld>
             <a:endParaRPr lang="en-US" dirty="0"/>
           </a:p>
@@ -8408,7 +8408,7 @@
             <a:fld id="{055373AC-9AA7-423B-BA00-BA1C74164DBD}" type="datetime1">
               <a:rPr lang="en-US" smtClean="0"/>
               <a:pPr/>
-              <a:t>8/20/2023</a:t>
+              <a:t>3-Jan-24</a:t>
             </a:fld>
             <a:endParaRPr lang="en-US" dirty="0"/>
           </a:p>
@@ -9488,7 +9488,7 @@
             <a:fld id="{055373AC-9AA7-423B-BA00-BA1C74164DBD}" type="datetime1">
               <a:rPr lang="en-US" smtClean="0"/>
               <a:pPr/>
-              <a:t>8/20/2023</a:t>
+              <a:t>3-Jan-24</a:t>
             </a:fld>
             <a:endParaRPr lang="en-US" dirty="0"/>
           </a:p>
@@ -9900,7 +9900,7 @@
             <a:fld id="{055373AC-9AA7-423B-BA00-BA1C74164DBD}" type="datetime1">
               <a:rPr lang="en-US" smtClean="0"/>
               <a:pPr/>
-              <a:t>8/20/2023</a:t>
+              <a:t>3-Jan-24</a:t>
             </a:fld>
             <a:endParaRPr lang="en-US" dirty="0"/>
           </a:p>
@@ -10270,7 +10270,7 @@
             <a:fld id="{055373AC-9AA7-423B-BA00-BA1C74164DBD}" type="datetime1">
               <a:rPr lang="en-US" smtClean="0"/>
               <a:pPr/>
-              <a:t>8/20/2023</a:t>
+              <a:t>3-Jan-24</a:t>
             </a:fld>
             <a:endParaRPr lang="en-US" dirty="0"/>
           </a:p>
@@ -10938,7 +10938,7 @@
             <a:fld id="{055373AC-9AA7-423B-BA00-BA1C74164DBD}" type="datetime1">
               <a:rPr lang="en-US" smtClean="0"/>
               <a:pPr/>
-              <a:t>8/20/2023</a:t>
+              <a:t>3-Jan-24</a:t>
             </a:fld>
             <a:endParaRPr lang="en-US" dirty="0"/>
           </a:p>
@@ -11146,7 +11146,7 @@
             <a:fld id="{055373AC-9AA7-423B-BA00-BA1C74164DBD}" type="datetime1">
               <a:rPr lang="en-US" smtClean="0"/>
               <a:pPr/>
-              <a:t>8/20/2023</a:t>
+              <a:t>3-Jan-24</a:t>
             </a:fld>
             <a:endParaRPr lang="en-US" dirty="0"/>
           </a:p>
@@ -12047,14 +12047,14 @@
           <p:nvPr>
             <p:extLst>
               <p:ext uri="{D42A27DB-BD31-4B8C-83A1-F6EECF244321}">
-                <p14:modId xmlns:p14="http://schemas.microsoft.com/office/powerpoint/2010/main" val="142885230"/>
+                <p14:modId xmlns:p14="http://schemas.microsoft.com/office/powerpoint/2010/main" val="323156753"/>
               </p:ext>
             </p:extLst>
           </p:nvPr>
         </p:nvGraphicFramePr>
         <p:xfrm>
-          <a:off x="731930" y="2120659"/>
-          <a:ext cx="10762078" cy="3987533"/>
+          <a:off x="630623" y="2102835"/>
+          <a:ext cx="10909416" cy="4489873"/>
         </p:xfrm>
         <a:graphic>
           <a:graphicData uri="http://schemas.openxmlformats.org/drawingml/2006/table">
@@ -12063,14 +12063,14 @@
                 <a:tableStyleId>{5940675A-B579-460E-94D1-54222C63F5DA}</a:tableStyleId>
               </a:tblPr>
               <a:tblGrid>
-                <a:gridCol w="5237393">
+                <a:gridCol w="4504422">
                   <a:extLst>
                     <a:ext uri="{9D8B030D-6E8A-4147-A177-3AD203B41FA5}">
                       <a16:colId xmlns:a16="http://schemas.microsoft.com/office/drawing/2014/main" val="2557892266"/>
                     </a:ext>
                   </a:extLst>
                 </a:gridCol>
-                <a:gridCol w="5524685">
+                <a:gridCol w="6404994">
                   <a:extLst>
                     <a:ext uri="{9D8B030D-6E8A-4147-A177-3AD203B41FA5}">
                       <a16:colId xmlns:a16="http://schemas.microsoft.com/office/drawing/2014/main" val="3119956751"/>
@@ -12078,13 +12078,13 @@
                   </a:extLst>
                 </a:gridCol>
               </a:tblGrid>
-              <a:tr h="1037783">
+              <a:tr h="1060779">
                 <a:tc>
                   <a:txBody>
                     <a:bodyPr/>
                     <a:lstStyle/>
                     <a:p>
-                      <a:endParaRPr lang="en-US" dirty="0"/>
+                      <a:endParaRPr lang="en-US" sz="4200" dirty="0"/>
                     </a:p>
                   </a:txBody>
                   <a:tcPr/>
@@ -12094,7 +12094,7 @@
                     <a:bodyPr/>
                     <a:lstStyle/>
                     <a:p>
-                      <a:endParaRPr lang="en-US" dirty="0"/>
+                      <a:endParaRPr lang="en-US" sz="4200" dirty="0"/>
                     </a:p>
                   </a:txBody>
                   <a:tcPr/>
@@ -12105,13 +12105,13 @@
                   </a:ext>
                 </a:extLst>
               </a:tr>
-              <a:tr h="896487">
+              <a:tr h="1145627">
                 <a:tc>
                   <a:txBody>
                     <a:bodyPr/>
                     <a:lstStyle/>
                     <a:p>
-                      <a:endParaRPr lang="en-US" dirty="0"/>
+                      <a:endParaRPr lang="en-US" sz="4200" dirty="0"/>
                     </a:p>
                   </a:txBody>
                   <a:tcPr/>
@@ -12121,7 +12121,7 @@
                     <a:bodyPr/>
                     <a:lstStyle/>
                     <a:p>
-                      <a:endParaRPr lang="en-US" dirty="0"/>
+                      <a:endParaRPr lang="en-US" sz="4200" dirty="0"/>
                     </a:p>
                   </a:txBody>
                   <a:tcPr/>
@@ -12132,13 +12132,13 @@
                   </a:ext>
                 </a:extLst>
               </a:tr>
-              <a:tr h="1046613">
+              <a:tr h="1163955">
                 <a:tc>
                   <a:txBody>
                     <a:bodyPr/>
                     <a:lstStyle/>
                     <a:p>
-                      <a:endParaRPr lang="en-US" dirty="0"/>
+                      <a:endParaRPr lang="en-US" sz="4200" dirty="0"/>
                     </a:p>
                   </a:txBody>
                   <a:tcPr/>
@@ -12148,7 +12148,7 @@
                     <a:bodyPr/>
                     <a:lstStyle/>
                     <a:p>
-                      <a:endParaRPr lang="en-US" dirty="0"/>
+                      <a:endParaRPr lang="en-US" sz="4200" dirty="0"/>
                     </a:p>
                   </a:txBody>
                   <a:tcPr/>
@@ -12159,13 +12159,13 @@
                   </a:ext>
                 </a:extLst>
               </a:tr>
-              <a:tr h="1006650">
+              <a:tr h="1119512">
                 <a:tc>
                   <a:txBody>
                     <a:bodyPr/>
                     <a:lstStyle/>
                     <a:p>
-                      <a:endParaRPr lang="en-US" dirty="0"/>
+                      <a:endParaRPr lang="en-US" sz="4200" dirty="0"/>
                     </a:p>
                   </a:txBody>
                   <a:tcPr/>
@@ -12175,7 +12175,7 @@
                     <a:bodyPr/>
                     <a:lstStyle/>
                     <a:p>
-                      <a:endParaRPr lang="en-US" dirty="0"/>
+                      <a:endParaRPr lang="en-US" sz="4200" dirty="0"/>
                     </a:p>
                   </a:txBody>
                   <a:tcPr/>
@@ -12198,7 +12198,7 @@
         </p:nvSpPr>
         <p:spPr>
           <a:xfrm>
-            <a:off x="5896911" y="2354767"/>
+            <a:off x="5523262" y="2313309"/>
             <a:ext cx="5037555" cy="587441"/>
           </a:xfrm>
           <a:prstGeom prst="rect">
@@ -12235,8 +12235,8 @@
         </p:nvSpPr>
         <p:spPr>
           <a:xfrm>
-            <a:off x="5896911" y="3101966"/>
-            <a:ext cx="5037555" cy="1436905"/>
+            <a:off x="5523262" y="3268402"/>
+            <a:ext cx="5037555" cy="1010314"/>
           </a:xfrm>
           <a:prstGeom prst="rect">
             <a:avLst/>
@@ -12276,21 +12276,6 @@
               <a:rPr lang="bg-BG" sz="2400" dirty="0"/>
               <a:t> на сцената</a:t>
             </a:r>
-            <a:endParaRPr lang="en-US" sz="2400" b="1" dirty="0"/>
-          </a:p>
-          <a:p>
-            <a:pPr algn="l" eaLnBrk="0" hangingPunct="0">
-              <a:lnSpc>
-                <a:spcPct val="110000"/>
-              </a:lnSpc>
-              <a:buClr>
-                <a:schemeClr val="accent5">
-                  <a:lumMod val="40000"/>
-                  <a:lumOff val="60000"/>
-                </a:schemeClr>
-              </a:buClr>
-              <a:buSzPct val="70000"/>
-            </a:pPr>
             <a:endParaRPr lang="en-US" sz="2400" dirty="0"/>
           </a:p>
         </p:txBody>
@@ -12303,7 +12288,7 @@
         </p:nvSpPr>
         <p:spPr>
           <a:xfrm>
-            <a:off x="5889582" y="4291427"/>
+            <a:off x="5523262" y="4490605"/>
             <a:ext cx="5365934" cy="604049"/>
           </a:xfrm>
           <a:prstGeom prst="rect">
@@ -12352,7 +12337,7 @@
         </p:nvSpPr>
         <p:spPr>
           <a:xfrm>
-            <a:off x="5889582" y="5311399"/>
+            <a:off x="5523262" y="5681129"/>
             <a:ext cx="5604426" cy="604049"/>
           </a:xfrm>
           <a:prstGeom prst="rect">
@@ -12415,8 +12400,8 @@
         </p:blipFill>
         <p:spPr>
           <a:xfrm>
-            <a:off x="2440945" y="2254124"/>
-            <a:ext cx="2024344" cy="790204"/>
+            <a:off x="1730862" y="2205956"/>
+            <a:ext cx="2267352" cy="885062"/>
           </a:xfrm>
           <a:prstGeom prst="rect">
             <a:avLst/>
@@ -12445,8 +12430,8 @@
         </p:blipFill>
         <p:spPr>
           <a:xfrm>
-            <a:off x="2588601" y="3257049"/>
-            <a:ext cx="1720009" cy="707212"/>
+            <a:off x="1896784" y="3376298"/>
+            <a:ext cx="1926486" cy="792108"/>
           </a:xfrm>
           <a:prstGeom prst="rect">
             <a:avLst/>
@@ -12475,8 +12460,8 @@
         </p:blipFill>
         <p:spPr>
           <a:xfrm>
-            <a:off x="2543603" y="4210845"/>
-            <a:ext cx="1810003" cy="800212"/>
+            <a:off x="1846385" y="4474105"/>
+            <a:ext cx="2027282" cy="896272"/>
           </a:xfrm>
           <a:prstGeom prst="rect">
             <a:avLst/>
@@ -12505,8 +12490,8 @@
         </p:blipFill>
         <p:spPr>
           <a:xfrm>
-            <a:off x="1652891" y="5257641"/>
-            <a:ext cx="3591426" cy="790685"/>
+            <a:off x="848749" y="5565966"/>
+            <a:ext cx="4022552" cy="885600"/>
           </a:xfrm>
           <a:prstGeom prst="rect">
             <a:avLst/>
@@ -12966,14 +12951,14 @@
           <p:nvPr>
             <p:extLst>
               <p:ext uri="{D42A27DB-BD31-4B8C-83A1-F6EECF244321}">
-                <p14:modId xmlns:p14="http://schemas.microsoft.com/office/powerpoint/2010/main" val="2994888405"/>
+                <p14:modId xmlns:p14="http://schemas.microsoft.com/office/powerpoint/2010/main" val="688727127"/>
               </p:ext>
             </p:extLst>
           </p:nvPr>
         </p:nvGraphicFramePr>
         <p:xfrm>
-          <a:off x="444199" y="1993646"/>
-          <a:ext cx="11303603" cy="3583940"/>
+          <a:off x="625587" y="1776249"/>
+          <a:ext cx="10940826" cy="4368701"/>
         </p:xfrm>
         <a:graphic>
           <a:graphicData uri="http://schemas.openxmlformats.org/drawingml/2006/table">
@@ -12985,14 +12970,14 @@
                 <a:tableStyleId>{7E9639D4-E3E2-4D34-9284-5A2195B3D0D7}</a:tableStyleId>
               </a:tblPr>
               <a:tblGrid>
-                <a:gridCol w="4537028">
+                <a:gridCol w="4391417">
                   <a:extLst>
                     <a:ext uri="{9D8B030D-6E8A-4147-A177-3AD203B41FA5}">
                       <a16:colId xmlns:a16="http://schemas.microsoft.com/office/drawing/2014/main" val="2137215898"/>
                     </a:ext>
                   </a:extLst>
                 </a:gridCol>
-                <a:gridCol w="6766575">
+                <a:gridCol w="6549409">
                   <a:extLst>
                     <a:ext uri="{9D8B030D-6E8A-4147-A177-3AD203B41FA5}">
                       <a16:colId xmlns:a16="http://schemas.microsoft.com/office/drawing/2014/main" val="8337103"/>
@@ -13000,7 +12985,7 @@
                   </a:extLst>
                 </a:gridCol>
               </a:tblGrid>
-              <a:tr h="815708">
+              <a:tr h="967401">
                 <a:tc>
                   <a:txBody>
                     <a:bodyPr/>
@@ -13008,14 +12993,14 @@
                     <a:p>
                       <a:pPr algn="ctr"/>
                       <a:r>
-                        <a:rPr lang="bg-BG" dirty="0">
+                        <a:rPr lang="bg-BG" sz="3200" dirty="0">
                           <a:solidFill>
                             <a:schemeClr val="bg2"/>
                           </a:solidFill>
                         </a:rPr>
                         <a:t>Фигура</a:t>
                       </a:r>
-                      <a:endParaRPr lang="en-US" dirty="0">
+                      <a:endParaRPr lang="en-US" sz="3200" dirty="0">
                         <a:solidFill>
                           <a:schemeClr val="bg2"/>
                         </a:solidFill>
@@ -13068,7 +13053,7 @@
                     <a:p>
                       <a:pPr algn="ctr"/>
                       <a:r>
-                        <a:rPr lang="bg-BG" dirty="0">
+                        <a:rPr lang="bg-BG" sz="3200" dirty="0">
                           <a:solidFill>
                             <a:schemeClr val="bg2"/>
                           </a:solidFill>
@@ -13076,7 +13061,7 @@
                         <a:t>Ъгъл</a:t>
                       </a:r>
                       <a:r>
-                        <a:rPr lang="bg-BG" baseline="0" dirty="0">
+                        <a:rPr lang="bg-BG" sz="3200" baseline="0" dirty="0">
                           <a:solidFill>
                             <a:schemeClr val="bg2"/>
                           </a:solidFill>
@@ -13084,7 +13069,7 @@
                         <a:t>, на който се завърт</a:t>
                       </a:r>
                       <a:r>
-                        <a:rPr lang="en-US" baseline="0" dirty="0">
+                        <a:rPr lang="en-US" sz="3200" baseline="0" dirty="0">
                           <a:solidFill>
                             <a:schemeClr val="bg2"/>
                           </a:solidFill>
@@ -13092,14 +13077,14 @@
                         <a:t>a</a:t>
                       </a:r>
                       <a:r>
-                        <a:rPr lang="bg-BG" baseline="0" dirty="0">
+                        <a:rPr lang="bg-BG" sz="3200" baseline="0" dirty="0">
                           <a:solidFill>
                             <a:schemeClr val="bg2"/>
                           </a:solidFill>
                         </a:rPr>
                         <a:t> героят</a:t>
                       </a:r>
-                      <a:endParaRPr lang="en-US" dirty="0">
+                      <a:endParaRPr lang="en-US" sz="3200" dirty="0">
                         <a:solidFill>
                           <a:schemeClr val="bg2"/>
                         </a:solidFill>
@@ -13151,19 +13136,19 @@
                   </a:ext>
                 </a:extLst>
               </a:tr>
-              <a:tr h="692058">
+              <a:tr h="850325">
                 <a:tc>
                   <a:txBody>
                     <a:bodyPr/>
                     <a:lstStyle/>
                     <a:p>
                       <a:r>
-                        <a:rPr lang="bg-BG" dirty="0"/>
+                        <a:rPr lang="bg-BG" sz="3200" dirty="0"/>
                         <a:t>Триъгълник</a:t>
                       </a:r>
                     </a:p>
                   </a:txBody>
-                  <a:tcPr>
+                  <a:tcPr anchor="ctr">
                     <a:lnL w="12700" cap="flat" cmpd="sng" algn="ctr">
                       <a:solidFill>
                         <a:schemeClr val="tx1"/>
@@ -13208,11 +13193,11 @@
                     <a:lstStyle/>
                     <a:p>
                       <a:r>
-                        <a:rPr lang="bg-BG" dirty="0"/>
+                        <a:rPr lang="bg-BG" sz="3200" dirty="0"/>
                         <a:t>120</a:t>
                       </a:r>
                       <a:r>
-                        <a:rPr lang="en-US" sz="2398" b="0" i="0" kern="1200" dirty="0">
+                        <a:rPr lang="en-US" sz="3200" b="0" i="0" kern="1200" dirty="0">
                           <a:solidFill>
                             <a:schemeClr val="tx1"/>
                           </a:solidFill>
@@ -13224,7 +13209,7 @@
                         <a:t>° (3</a:t>
                       </a:r>
                       <a:r>
-                        <a:rPr lang="en-US" sz="2398" b="0" i="0" kern="1200" baseline="0" dirty="0">
+                        <a:rPr lang="en-US" sz="3200" b="0" i="0" kern="1200" baseline="0" dirty="0">
                           <a:solidFill>
                             <a:schemeClr val="tx1"/>
                           </a:solidFill>
@@ -13236,7 +13221,7 @@
                         <a:t> </a:t>
                       </a:r>
                       <a:r>
-                        <a:rPr lang="bg-BG" sz="2398" b="0" i="0" kern="1200" baseline="0" dirty="0">
+                        <a:rPr lang="bg-BG" sz="3200" b="0" i="0" kern="1200" baseline="0" dirty="0">
                           <a:solidFill>
                             <a:schemeClr val="tx1"/>
                           </a:solidFill>
@@ -13248,7 +13233,7 @@
                         <a:t>пъти</a:t>
                       </a:r>
                       <a:r>
-                        <a:rPr lang="en-US" sz="2398" b="0" i="0" kern="1200" dirty="0">
+                        <a:rPr lang="en-US" sz="3200" b="0" i="0" kern="1200" dirty="0">
                           <a:solidFill>
                             <a:schemeClr val="tx1"/>
                           </a:solidFill>
@@ -13259,10 +13244,10 @@
                         </a:rPr>
                         <a:t>)</a:t>
                       </a:r>
-                      <a:endParaRPr lang="en-US" dirty="0"/>
+                      <a:endParaRPr lang="en-US" sz="3200" dirty="0"/>
                     </a:p>
                   </a:txBody>
-                  <a:tcPr>
+                  <a:tcPr anchor="ctr">
                     <a:lnL w="12700" cap="flat" cmpd="sng" algn="ctr">
                       <a:solidFill>
                         <a:schemeClr val="tx1"/>
@@ -13307,20 +13292,20 @@
                   </a:ext>
                 </a:extLst>
               </a:tr>
-              <a:tr h="692058">
+              <a:tr h="850325">
                 <a:tc>
                   <a:txBody>
                     <a:bodyPr/>
                     <a:lstStyle/>
                     <a:p>
                       <a:r>
-                        <a:rPr lang="bg-BG" dirty="0"/>
+                        <a:rPr lang="bg-BG" sz="3200" dirty="0"/>
                         <a:t>Квадрат</a:t>
                       </a:r>
-                      <a:endParaRPr lang="en-US" dirty="0"/>
+                      <a:endParaRPr lang="en-US" sz="3200" dirty="0"/>
                     </a:p>
                   </a:txBody>
-                  <a:tcPr>
+                  <a:tcPr anchor="ctr">
                     <a:lnL w="12700" cap="flat" cmpd="sng" algn="ctr">
                       <a:solidFill>
                         <a:schemeClr val="tx1"/>
@@ -13365,11 +13350,11 @@
                     <a:lstStyle/>
                     <a:p>
                       <a:r>
-                        <a:rPr lang="bg-BG" dirty="0"/>
+                        <a:rPr lang="bg-BG" sz="3200" dirty="0"/>
                         <a:t>90</a:t>
                       </a:r>
                       <a:r>
-                        <a:rPr lang="en-US" sz="2398" b="0" i="0" kern="1200" dirty="0">
+                        <a:rPr lang="en-US" sz="3200" b="0" i="0" kern="1200" dirty="0">
                           <a:solidFill>
                             <a:schemeClr val="tx1"/>
                           </a:solidFill>
@@ -13381,7 +13366,7 @@
                         <a:t>°</a:t>
                       </a:r>
                       <a:r>
-                        <a:rPr lang="bg-BG" sz="2398" b="0" i="0" kern="1200" dirty="0">
+                        <a:rPr lang="bg-BG" sz="3200" b="0" i="0" kern="1200" dirty="0">
                           <a:solidFill>
                             <a:schemeClr val="tx1"/>
                           </a:solidFill>
@@ -13392,10 +13377,10 @@
                         </a:rPr>
                         <a:t> (4 пъти)</a:t>
                       </a:r>
-                      <a:endParaRPr lang="en-US" dirty="0"/>
+                      <a:endParaRPr lang="en-US" sz="3200" dirty="0"/>
                     </a:p>
                   </a:txBody>
-                  <a:tcPr>
+                  <a:tcPr anchor="ctr">
                     <a:lnL w="12700" cap="flat" cmpd="sng" algn="ctr">
                       <a:solidFill>
                         <a:schemeClr val="tx1"/>
@@ -13440,20 +13425,20 @@
                   </a:ext>
                 </a:extLst>
               </a:tr>
-              <a:tr h="692058">
+              <a:tr h="850325">
                 <a:tc>
                   <a:txBody>
                     <a:bodyPr/>
                     <a:lstStyle/>
                     <a:p>
                       <a:r>
-                        <a:rPr lang="bg-BG" dirty="0"/>
+                        <a:rPr lang="bg-BG" sz="3200" dirty="0"/>
                         <a:t>Петоъгълник</a:t>
                       </a:r>
-                      <a:endParaRPr lang="en-US" dirty="0"/>
+                      <a:endParaRPr lang="en-US" sz="3200" dirty="0"/>
                     </a:p>
                   </a:txBody>
-                  <a:tcPr>
+                  <a:tcPr anchor="ctr">
                     <a:lnL w="12700" cap="flat" cmpd="sng" algn="ctr">
                       <a:solidFill>
                         <a:schemeClr val="tx1"/>
@@ -13498,11 +13483,11 @@
                     <a:lstStyle/>
                     <a:p>
                       <a:r>
-                        <a:rPr lang="bg-BG" dirty="0"/>
+                        <a:rPr lang="bg-BG" sz="3200" dirty="0"/>
                         <a:t>72</a:t>
                       </a:r>
                       <a:r>
-                        <a:rPr lang="en-US" sz="2398" b="0" i="0" kern="1200" dirty="0">
+                        <a:rPr lang="en-US" sz="3200" b="0" i="0" kern="1200" dirty="0">
                           <a:solidFill>
                             <a:schemeClr val="tx1"/>
                           </a:solidFill>
@@ -13514,7 +13499,7 @@
                         <a:t>°</a:t>
                       </a:r>
                       <a:r>
-                        <a:rPr lang="bg-BG" sz="2398" b="0" i="0" kern="1200" dirty="0">
+                        <a:rPr lang="bg-BG" sz="3200" b="0" i="0" kern="1200" dirty="0">
                           <a:solidFill>
                             <a:schemeClr val="tx1"/>
                           </a:solidFill>
@@ -13525,10 +13510,10 @@
                         </a:rPr>
                         <a:t> (5 пъти)</a:t>
                       </a:r>
-                      <a:endParaRPr lang="en-US" dirty="0"/>
+                      <a:endParaRPr lang="en-US" sz="3200" dirty="0"/>
                     </a:p>
                   </a:txBody>
-                  <a:tcPr>
+                  <a:tcPr anchor="ctr">
                     <a:lnL w="12700" cap="flat" cmpd="sng" algn="ctr">
                       <a:solidFill>
                         <a:schemeClr val="tx1"/>
@@ -13573,24 +13558,24 @@
                   </a:ext>
                 </a:extLst>
               </a:tr>
-              <a:tr h="692058">
+              <a:tr h="850325">
                 <a:tc>
                   <a:txBody>
                     <a:bodyPr/>
                     <a:lstStyle/>
                     <a:p>
                       <a:r>
-                        <a:rPr lang="en-US" dirty="0"/>
+                        <a:rPr lang="en-US" sz="3200" dirty="0"/>
                         <a:t>n-</a:t>
                       </a:r>
                       <a:r>
-                        <a:rPr lang="bg-BG" dirty="0"/>
+                        <a:rPr lang="bg-BG" sz="3200" dirty="0"/>
                         <a:t>ъгълник</a:t>
                       </a:r>
-                      <a:endParaRPr lang="en-US" dirty="0"/>
+                      <a:endParaRPr lang="en-US" sz="3200" dirty="0"/>
                     </a:p>
                   </a:txBody>
-                  <a:tcPr>
+                  <a:tcPr anchor="ctr">
                     <a:lnL w="12700" cap="flat" cmpd="sng" algn="ctr">
                       <a:solidFill>
                         <a:schemeClr val="tx1"/>
@@ -13635,15 +13620,15 @@
                     <a:lstStyle/>
                     <a:p>
                       <a:r>
-                        <a:rPr lang="bg-BG" dirty="0"/>
+                        <a:rPr lang="bg-BG" sz="3200" dirty="0"/>
                         <a:t>360/</a:t>
                       </a:r>
                       <a:r>
-                        <a:rPr lang="en-US" dirty="0"/>
+                        <a:rPr lang="en-US" sz="3200" dirty="0"/>
                         <a:t>n</a:t>
                       </a:r>
                       <a:r>
-                        <a:rPr lang="en-US" sz="2398" b="0" i="0" kern="1200" dirty="0">
+                        <a:rPr lang="en-US" sz="3200" b="0" i="0" kern="1200" dirty="0">
                           <a:solidFill>
                             <a:schemeClr val="tx1"/>
                           </a:solidFill>
@@ -13655,7 +13640,7 @@
                         <a:t>° (n</a:t>
                       </a:r>
                       <a:r>
-                        <a:rPr lang="en-US" sz="2398" b="0" i="0" kern="1200" baseline="0" dirty="0">
+                        <a:rPr lang="en-US" sz="3200" b="0" i="0" kern="1200" baseline="0" dirty="0">
                           <a:solidFill>
                             <a:schemeClr val="tx1"/>
                           </a:solidFill>
@@ -13667,7 +13652,7 @@
                         <a:t> </a:t>
                       </a:r>
                       <a:r>
-                        <a:rPr lang="bg-BG" sz="2398" b="0" i="0" kern="1200" baseline="0" dirty="0">
+                        <a:rPr lang="bg-BG" sz="3200" b="0" i="0" kern="1200" baseline="0" dirty="0">
                           <a:solidFill>
                             <a:schemeClr val="tx1"/>
                           </a:solidFill>
@@ -13678,10 +13663,10 @@
                         </a:rPr>
                         <a:t>пъти)</a:t>
                       </a:r>
-                      <a:endParaRPr lang="en-US" dirty="0"/>
+                      <a:endParaRPr lang="en-US" sz="3200" dirty="0"/>
                     </a:p>
                   </a:txBody>
-                  <a:tcPr>
+                  <a:tcPr anchor="ctr">
                     <a:lnL w="12700" cap="flat" cmpd="sng" algn="ctr">
                       <a:solidFill>
                         <a:schemeClr val="tx1"/>
@@ -14180,8 +14165,8 @@
         </p:blipFill>
         <p:spPr>
           <a:xfrm>
-            <a:off x="1366278" y="3333686"/>
-            <a:ext cx="2980974" cy="2057788"/>
+            <a:off x="758988" y="3117618"/>
+            <a:ext cx="3606978" cy="2489924"/>
           </a:xfrm>
           <a:prstGeom prst="rect">
             <a:avLst/>
@@ -15910,15 +15895,7 @@
                   <a:schemeClr val="bg2"/>
                 </a:solidFill>
               </a:rPr>
-              <a:t>чертаене върху </a:t>
-            </a:r>
-            <a:r>
-              <a:rPr lang="bg-BG" sz="2900" b="1" dirty="0" smtClean="0">
-                <a:solidFill>
-                  <a:schemeClr val="bg2"/>
-                </a:solidFill>
-              </a:rPr>
-              <a:t>сцената</a:t>
+              <a:t>чертаене върху сцената</a:t>
             </a:r>
           </a:p>
           <a:p>
@@ -15960,18 +15937,10 @@
                   <a:schemeClr val="bg2"/>
                 </a:solidFill>
               </a:rPr>
-              <a:t>пъти</a:t>
-            </a:r>
-            <a:r>
-              <a:rPr lang="bg-BG" sz="3200" dirty="0" smtClean="0">
-                <a:solidFill>
-                  <a:schemeClr val="bg2"/>
-                </a:solidFill>
-              </a:rPr>
-              <a:t>)</a:t>
-            </a:r>
-            <a:r>
-              <a:rPr lang="en-US" sz="3200" dirty="0" smtClean="0">
+              <a:t>пъти)</a:t>
+            </a:r>
+            <a:r>
+              <a:rPr lang="en-US" sz="3200" dirty="0">
                 <a:solidFill>
                   <a:schemeClr val="bg2"/>
                 </a:solidFill>
@@ -15979,7 +15948,7 @@
               <a:t> </a:t>
             </a:r>
             <a:r>
-              <a:rPr lang="bg-BG" sz="3200" dirty="0" smtClean="0">
+              <a:rPr lang="bg-BG" sz="3200" dirty="0">
                 <a:solidFill>
                   <a:schemeClr val="bg2"/>
                 </a:solidFill>
@@ -15987,7 +15956,7 @@
               <a:t>за създаване на </a:t>
             </a:r>
             <a:r>
-              <a:rPr lang="en-US" sz="3200" dirty="0" smtClean="0">
+              <a:rPr lang="en-US" sz="3200" dirty="0">
                 <a:solidFill>
                   <a:schemeClr val="bg2"/>
                 </a:solidFill>
@@ -15995,7 +15964,7 @@
               <a:t>n-</a:t>
             </a:r>
             <a:r>
-              <a:rPr lang="bg-BG" sz="3200" dirty="0" smtClean="0">
+              <a:rPr lang="bg-BG" sz="3200" dirty="0">
                 <a:solidFill>
                   <a:schemeClr val="bg2"/>
                 </a:solidFill>
@@ -16025,7 +15994,7 @@
               <a:buFont typeface="Wingdings" panose="05000000000000000000" pitchFamily="2" charset="2"/>
               <a:buChar char="§"/>
             </a:pPr>
-            <a:endParaRPr lang="bg-BG" sz="2900" b="1" dirty="0" smtClean="0">
+            <a:endParaRPr lang="bg-BG" sz="2900" b="1" dirty="0">
               <a:solidFill>
                 <a:schemeClr val="bg2"/>
               </a:solidFill>
@@ -16625,13 +16594,8 @@
             </a:r>
             <a:r>
               <a:rPr lang="bg-BG" sz="3400" dirty="0"/>
-              <a:t> на </a:t>
-            </a:r>
-            <a:r>
-              <a:rPr lang="bg-BG" sz="3400" dirty="0" smtClean="0"/>
-              <a:t>фигури</a:t>
-            </a:r>
-            <a:endParaRPr lang="bg-BG" sz="3400" dirty="0"/>
+              <a:t> на фигури</a:t>
+            </a:r>
           </a:p>
         </p:txBody>
       </p:sp>
@@ -16990,7 +16954,7 @@
               </a:buClr>
             </a:pPr>
             <a:r>
-              <a:rPr lang="ru-RU" sz="3200" b="1" dirty="0">
+              <a:rPr lang="bg-BG" sz="3200" b="1" dirty="0">
                 <a:solidFill>
                   <a:schemeClr val="bg1"/>
                 </a:solidFill>
@@ -16999,15 +16963,15 @@
             </a:r>
             <a:r>
               <a:rPr lang="ru-RU" sz="3200" dirty="0"/>
-              <a:t> </a:t>
+              <a:t> (</a:t>
             </a:r>
             <a:r>
               <a:rPr lang="en-US" sz="3200" dirty="0"/>
-              <a:t>-</a:t>
+              <a:t>extension) – </a:t>
             </a:r>
             <a:r>
               <a:rPr lang="ru-RU" sz="3200" dirty="0"/>
-              <a:t> категория блокове, които могат да се </a:t>
+              <a:t>категория блокове, които могат да се </a:t>
             </a:r>
             <a:r>
               <a:rPr lang="ru-RU" sz="3200" b="1" dirty="0"/>

--- a/Courses/Computer-Modeling-and-IT/Computer-Modeling-and-IT-5-Class/18-Drawing-Figures/18-Drawing-Figures.pptx
+++ b/Courses/Computer-Modeling-and-IT/Computer-Modeling-and-IT-5-Class/18-Drawing-Figures/18-Drawing-Figures.pptx
@@ -579,7 +579,7 @@
           <a:p>
             <a:fld id="{4E087215-0C8F-4762-A664-737A353EC9A4}" type="datetimeFigureOut">
               <a:rPr lang="bg-BG" smtClean="0"/>
-              <a:t>3.1.2024 г.</a:t>
+              <a:t>6.1.2024 г.</a:t>
             </a:fld>
             <a:endParaRPr lang="bg-BG"/>
           </a:p>
@@ -756,7 +756,7 @@
           <a:p>
             <a:fld id="{72D84649-876A-46C9-8472-14CB09C070D8}" type="datetimeFigureOut">
               <a:rPr lang="en-US" smtClean="0"/>
-              <a:t>3-Jan-24</a:t>
+              <a:t>1/6/2024</a:t>
             </a:fld>
             <a:endParaRPr lang="en-US"/>
           </a:p>
@@ -3026,7 +3026,7 @@
             <a:fld id="{055373AC-9AA7-423B-BA00-BA1C74164DBD}" type="datetime1">
               <a:rPr lang="en-US" smtClean="0"/>
               <a:pPr/>
-              <a:t>3-Jan-24</a:t>
+              <a:t>1/6/2024</a:t>
             </a:fld>
             <a:endParaRPr lang="en-US" dirty="0"/>
           </a:p>
@@ -3705,7 +3705,7 @@
             <a:fld id="{055373AC-9AA7-423B-BA00-BA1C74164DBD}" type="datetime1">
               <a:rPr lang="en-US" smtClean="0"/>
               <a:pPr/>
-              <a:t>3-Jan-24</a:t>
+              <a:t>1/6/2024</a:t>
             </a:fld>
             <a:endParaRPr lang="en-US" dirty="0"/>
           </a:p>
@@ -4464,7 +4464,7 @@
             <a:fld id="{055373AC-9AA7-423B-BA00-BA1C74164DBD}" type="datetime1">
               <a:rPr lang="en-US" smtClean="0"/>
               <a:pPr/>
-              <a:t>3-Jan-24</a:t>
+              <a:t>1/6/2024</a:t>
             </a:fld>
             <a:endParaRPr lang="en-US" dirty="0"/>
           </a:p>
@@ -4959,7 +4959,7 @@
             <a:fld id="{055373AC-9AA7-423B-BA00-BA1C74164DBD}" type="datetime1">
               <a:rPr lang="en-US" smtClean="0"/>
               <a:pPr/>
-              <a:t>3-Jan-24</a:t>
+              <a:t>1/6/2024</a:t>
             </a:fld>
             <a:endParaRPr lang="en-US" dirty="0"/>
           </a:p>
@@ -7069,7 +7069,7 @@
             <a:fld id="{055373AC-9AA7-423B-BA00-BA1C74164DBD}" type="datetime1">
               <a:rPr lang="en-US" smtClean="0"/>
               <a:pPr/>
-              <a:t>3-Jan-24</a:t>
+              <a:t>1/6/2024</a:t>
             </a:fld>
             <a:endParaRPr lang="en-US" dirty="0"/>
           </a:p>
@@ -8408,7 +8408,7 @@
             <a:fld id="{055373AC-9AA7-423B-BA00-BA1C74164DBD}" type="datetime1">
               <a:rPr lang="en-US" smtClean="0"/>
               <a:pPr/>
-              <a:t>3-Jan-24</a:t>
+              <a:t>1/6/2024</a:t>
             </a:fld>
             <a:endParaRPr lang="en-US" dirty="0"/>
           </a:p>
@@ -9488,7 +9488,7 @@
             <a:fld id="{055373AC-9AA7-423B-BA00-BA1C74164DBD}" type="datetime1">
               <a:rPr lang="en-US" smtClean="0"/>
               <a:pPr/>
-              <a:t>3-Jan-24</a:t>
+              <a:t>1/6/2024</a:t>
             </a:fld>
             <a:endParaRPr lang="en-US" dirty="0"/>
           </a:p>
@@ -9900,7 +9900,7 @@
             <a:fld id="{055373AC-9AA7-423B-BA00-BA1C74164DBD}" type="datetime1">
               <a:rPr lang="en-US" smtClean="0"/>
               <a:pPr/>
-              <a:t>3-Jan-24</a:t>
+              <a:t>1/6/2024</a:t>
             </a:fld>
             <a:endParaRPr lang="en-US" dirty="0"/>
           </a:p>
@@ -10270,7 +10270,7 @@
             <a:fld id="{055373AC-9AA7-423B-BA00-BA1C74164DBD}" type="datetime1">
               <a:rPr lang="en-US" smtClean="0"/>
               <a:pPr/>
-              <a:t>3-Jan-24</a:t>
+              <a:t>1/6/2024</a:t>
             </a:fld>
             <a:endParaRPr lang="en-US" dirty="0"/>
           </a:p>
@@ -10938,7 +10938,7 @@
             <a:fld id="{055373AC-9AA7-423B-BA00-BA1C74164DBD}" type="datetime1">
               <a:rPr lang="en-US" smtClean="0"/>
               <a:pPr/>
-              <a:t>3-Jan-24</a:t>
+              <a:t>1/6/2024</a:t>
             </a:fld>
             <a:endParaRPr lang="en-US" dirty="0"/>
           </a:p>
@@ -11146,7 +11146,7 @@
             <a:fld id="{055373AC-9AA7-423B-BA00-BA1C74164DBD}" type="datetime1">
               <a:rPr lang="en-US" smtClean="0"/>
               <a:pPr/>
-              <a:t>3-Jan-24</a:t>
+              <a:t>1/6/2024</a:t>
             </a:fld>
             <a:endParaRPr lang="en-US" dirty="0"/>
           </a:p>
@@ -12288,7 +12288,7 @@
         </p:nvSpPr>
         <p:spPr>
           <a:xfrm>
-            <a:off x="5523262" y="4490605"/>
+            <a:off x="5523262" y="4561698"/>
             <a:ext cx="5365934" cy="604049"/>
           </a:xfrm>
           <a:prstGeom prst="rect">
@@ -13733,6 +13733,13 @@
       <p:transition spd="slow" advClick="0" advTm="5000"/>
     </mc:Fallback>
   </mc:AlternateContent>
+  <p:timing>
+    <p:tnLst>
+      <p:par>
+        <p:cTn id="1" dur="indefinite" restart="never" nodeType="tmRoot"/>
+      </p:par>
+    </p:tnLst>
+  </p:timing>
 </p:sld>
 </file>
 
@@ -13822,8 +13829,8 @@
         </p:blipFill>
         <p:spPr>
           <a:xfrm>
-            <a:off x="4819432" y="1557570"/>
-            <a:ext cx="2256257" cy="4767030"/>
+            <a:off x="4808434" y="1265288"/>
+            <a:ext cx="2575133" cy="5440753"/>
           </a:xfrm>
           <a:prstGeom prst="rect">
             <a:avLst/>
@@ -13838,7 +13845,7 @@
         </p:nvSpPr>
         <p:spPr bwMode="auto">
           <a:xfrm>
-            <a:off x="7513028" y="1457326"/>
+            <a:off x="7810372" y="1354360"/>
             <a:ext cx="3990975" cy="967020"/>
           </a:xfrm>
           <a:prstGeom prst="wedgeRoundRectCallout">
@@ -13927,7 +13934,7 @@
         </p:nvSpPr>
         <p:spPr bwMode="auto">
           <a:xfrm>
-            <a:off x="356277" y="1676400"/>
+            <a:off x="327366" y="1564558"/>
             <a:ext cx="3990975" cy="1085850"/>
           </a:xfrm>
           <a:prstGeom prst="wedgeRoundRectCallout">
@@ -14016,7 +14023,7 @@
         </p:nvSpPr>
         <p:spPr bwMode="auto">
           <a:xfrm>
-            <a:off x="7513028" y="2678291"/>
+            <a:off x="7754952" y="2625724"/>
             <a:ext cx="4160823" cy="640440"/>
           </a:xfrm>
           <a:prstGeom prst="wedgeRoundRectCallout">
@@ -14105,8 +14112,8 @@
         </p:nvSpPr>
         <p:spPr>
           <a:xfrm>
-            <a:off x="4267200" y="3214856"/>
-            <a:ext cx="828628" cy="2519194"/>
+            <a:off x="4229100" y="3034610"/>
+            <a:ext cx="828628" cy="3040142"/>
           </a:xfrm>
           <a:prstGeom prst="leftBrace">
             <a:avLst>
@@ -14181,8 +14188,8 @@
         </p:nvSpPr>
         <p:spPr bwMode="auto">
           <a:xfrm>
-            <a:off x="5095828" y="3157431"/>
-            <a:ext cx="1771697" cy="623994"/>
+            <a:off x="5093966" y="3021446"/>
+            <a:ext cx="2062969" cy="729344"/>
           </a:xfrm>
           <a:prstGeom prst="rect">
             <a:avLst/>
@@ -14241,14 +14248,14 @@
       </p:sp>
       <p:sp>
         <p:nvSpPr>
-          <p:cNvPr id="16" name="Rectangle 15"/>
+          <p:cNvPr id="17" name="Rectangle 16"/>
           <p:cNvSpPr/>
           <p:nvPr/>
         </p:nvSpPr>
         <p:spPr bwMode="auto">
           <a:xfrm>
-            <a:off x="5095827" y="3821746"/>
-            <a:ext cx="1771697" cy="623994"/>
+            <a:off x="5095826" y="4542978"/>
+            <a:ext cx="2061111" cy="778272"/>
           </a:xfrm>
           <a:prstGeom prst="rect">
             <a:avLst/>
@@ -14308,14 +14315,14 @@
       </p:sp>
       <p:sp>
         <p:nvSpPr>
-          <p:cNvPr id="17" name="Rectangle 16"/>
+          <p:cNvPr id="18" name="Rectangle 17"/>
           <p:cNvSpPr/>
           <p:nvPr/>
         </p:nvSpPr>
         <p:spPr bwMode="auto">
           <a:xfrm>
-            <a:off x="5095826" y="4486062"/>
-            <a:ext cx="1771697" cy="623994"/>
+            <a:off x="5095826" y="5321250"/>
+            <a:ext cx="2061112" cy="763027"/>
           </a:xfrm>
           <a:prstGeom prst="rect">
             <a:avLst/>
@@ -14375,27 +14382,34 @@
       </p:sp>
       <p:sp>
         <p:nvSpPr>
-          <p:cNvPr id="18" name="Rectangle 17"/>
+          <p:cNvPr id="19" name="Rounded Rectangular Callout 18"/>
           <p:cNvSpPr/>
           <p:nvPr/>
         </p:nvSpPr>
         <p:spPr bwMode="auto">
           <a:xfrm>
-            <a:off x="5095827" y="5156273"/>
-            <a:ext cx="1771697" cy="623994"/>
-          </a:xfrm>
-          <a:prstGeom prst="rect">
-            <a:avLst/>
+            <a:off x="7633989" y="3685057"/>
+            <a:ext cx="4402747" cy="1951456"/>
+          </a:xfrm>
+          <a:prstGeom prst="wedgeRoundRectCallout">
+            <a:avLst>
+              <a:gd name="adj1" fmla="val -58909"/>
+              <a:gd name="adj2" fmla="val -53376"/>
+              <a:gd name="adj3" fmla="val 16667"/>
+            </a:avLst>
           </a:prstGeom>
-          <a:noFill/>
-          <a:ln w="38100">
+          <a:solidFill>
+            <a:schemeClr val="dk2">
+              <a:alpha val="80000"/>
+            </a:schemeClr>
+          </a:solidFill>
+          <a:ln w="19050">
             <a:solidFill>
               <a:schemeClr val="tx1">
                 <a:lumMod val="75000"/>
                 <a:alpha val="80000"/>
               </a:schemeClr>
             </a:solidFill>
-            <a:prstDash val="sysDash"/>
           </a:ln>
           <a:effectLst/>
         </p:spPr>
@@ -14425,9 +14439,78 @@
           <a:lstStyle/>
           <a:p>
             <a:pPr algn="ctr"/>
+            <a:r>
+              <a:rPr lang="bg-BG" sz="2800" b="1" dirty="0">
+                <a:solidFill>
+                  <a:srgbClr val="FFFFFF"/>
+                </a:solidFill>
+                <a:effectLst>
+                  <a:outerShdw blurRad="38100" dist="38100" dir="2700000" algn="tl">
+                    <a:srgbClr val="000000">
+                      <a:alpha val="43137"/>
+                    </a:srgbClr>
+                  </a:outerShdw>
+                </a:effectLst>
+              </a:rPr>
+              <a:t>Два блока се повтарят </a:t>
+            </a:r>
+            <a:r>
+              <a:rPr lang="bg-BG" sz="2800" b="1" dirty="0">
+                <a:solidFill>
+                  <a:schemeClr val="bg1">
+                    <a:lumMod val="60000"/>
+                    <a:lumOff val="40000"/>
+                  </a:schemeClr>
+                </a:solidFill>
+                <a:effectLst>
+                  <a:outerShdw blurRad="38100" dist="38100" dir="2700000" algn="tl">
+                    <a:srgbClr val="000000">
+                      <a:alpha val="43137"/>
+                    </a:srgbClr>
+                  </a:outerShdw>
+                </a:effectLst>
+              </a:rPr>
+              <a:t>няколко пъти</a:t>
+            </a:r>
+            <a:r>
+              <a:rPr lang="bg-BG" sz="2800" b="1" dirty="0">
+                <a:solidFill>
+                  <a:srgbClr val="FFFFFF"/>
+                </a:solidFill>
+                <a:effectLst>
+                  <a:outerShdw blurRad="38100" dist="38100" dir="2700000" algn="tl">
+                    <a:srgbClr val="000000">
+                      <a:alpha val="43137"/>
+                    </a:srgbClr>
+                  </a:outerShdw>
+                </a:effectLst>
+              </a:rPr>
+              <a:t>. За това можем да използваме </a:t>
+            </a:r>
+            <a:r>
+              <a:rPr lang="bg-BG" sz="2800" b="1" dirty="0">
+                <a:solidFill>
+                  <a:schemeClr val="bg1">
+                    <a:lumMod val="60000"/>
+                    <a:lumOff val="40000"/>
+                  </a:schemeClr>
+                </a:solidFill>
+                <a:effectLst>
+                  <a:outerShdw blurRad="38100" dist="38100" dir="2700000" algn="tl">
+                    <a:srgbClr val="000000">
+                      <a:alpha val="43137"/>
+                    </a:srgbClr>
+                  </a:outerShdw>
+                </a:effectLst>
+              </a:rPr>
+              <a:t>блок за повторения</a:t>
+            </a:r>
             <a:endParaRPr lang="en-US" sz="2800" b="1" dirty="0">
               <a:solidFill>
-                <a:srgbClr val="FFFFFF"/>
+                <a:schemeClr val="bg1">
+                  <a:lumMod val="60000"/>
+                  <a:lumOff val="40000"/>
+                </a:schemeClr>
               </a:solidFill>
               <a:effectLst>
                 <a:outerShdw blurRad="38100" dist="38100" dir="2700000" algn="tl">
@@ -14442,34 +14525,27 @@
       </p:sp>
       <p:sp>
         <p:nvSpPr>
-          <p:cNvPr id="19" name="Rounded Rectangular Callout 18"/>
+          <p:cNvPr id="15" name="Rectangle 14"/>
           <p:cNvSpPr/>
           <p:nvPr/>
         </p:nvSpPr>
         <p:spPr bwMode="auto">
           <a:xfrm>
-            <a:off x="7513028" y="3659356"/>
-            <a:ext cx="4402747" cy="1951456"/>
-          </a:xfrm>
-          <a:prstGeom prst="wedgeRoundRectCallout">
-            <a:avLst>
-              <a:gd name="adj1" fmla="val -63885"/>
-              <a:gd name="adj2" fmla="val -53864"/>
-              <a:gd name="adj3" fmla="val 16667"/>
-            </a:avLst>
+            <a:off x="5095825" y="3764706"/>
+            <a:ext cx="2061111" cy="778272"/>
+          </a:xfrm>
+          <a:prstGeom prst="rect">
+            <a:avLst/>
           </a:prstGeom>
-          <a:solidFill>
-            <a:schemeClr val="dk2">
-              <a:alpha val="80000"/>
-            </a:schemeClr>
-          </a:solidFill>
-          <a:ln w="19050">
+          <a:noFill/>
+          <a:ln w="38100">
             <a:solidFill>
               <a:schemeClr val="tx1">
                 <a:lumMod val="75000"/>
                 <a:alpha val="80000"/>
               </a:schemeClr>
             </a:solidFill>
+            <a:prstDash val="sysDash"/>
           </a:ln>
           <a:effectLst/>
         </p:spPr>
@@ -14499,78 +14575,9 @@
           <a:lstStyle/>
           <a:p>
             <a:pPr algn="ctr"/>
-            <a:r>
-              <a:rPr lang="bg-BG" sz="2800" b="1" dirty="0">
-                <a:solidFill>
-                  <a:srgbClr val="FFFFFF"/>
-                </a:solidFill>
-                <a:effectLst>
-                  <a:outerShdw blurRad="38100" dist="38100" dir="2700000" algn="tl">
-                    <a:srgbClr val="000000">
-                      <a:alpha val="43137"/>
-                    </a:srgbClr>
-                  </a:outerShdw>
-                </a:effectLst>
-              </a:rPr>
-              <a:t>Два блока се повтарят </a:t>
-            </a:r>
-            <a:r>
-              <a:rPr lang="bg-BG" sz="2800" b="1" dirty="0">
-                <a:solidFill>
-                  <a:schemeClr val="bg1">
-                    <a:lumMod val="60000"/>
-                    <a:lumOff val="40000"/>
-                  </a:schemeClr>
-                </a:solidFill>
-                <a:effectLst>
-                  <a:outerShdw blurRad="38100" dist="38100" dir="2700000" algn="tl">
-                    <a:srgbClr val="000000">
-                      <a:alpha val="43137"/>
-                    </a:srgbClr>
-                  </a:outerShdw>
-                </a:effectLst>
-              </a:rPr>
-              <a:t>няколко пъти</a:t>
-            </a:r>
-            <a:r>
-              <a:rPr lang="bg-BG" sz="2800" b="1" dirty="0">
-                <a:solidFill>
-                  <a:srgbClr val="FFFFFF"/>
-                </a:solidFill>
-                <a:effectLst>
-                  <a:outerShdw blurRad="38100" dist="38100" dir="2700000" algn="tl">
-                    <a:srgbClr val="000000">
-                      <a:alpha val="43137"/>
-                    </a:srgbClr>
-                  </a:outerShdw>
-                </a:effectLst>
-              </a:rPr>
-              <a:t>. За това можем да използваме </a:t>
-            </a:r>
-            <a:r>
-              <a:rPr lang="bg-BG" sz="2800" b="1" dirty="0">
-                <a:solidFill>
-                  <a:schemeClr val="bg1">
-                    <a:lumMod val="60000"/>
-                    <a:lumOff val="40000"/>
-                  </a:schemeClr>
-                </a:solidFill>
-                <a:effectLst>
-                  <a:outerShdw blurRad="38100" dist="38100" dir="2700000" algn="tl">
-                    <a:srgbClr val="000000">
-                      <a:alpha val="43137"/>
-                    </a:srgbClr>
-                  </a:outerShdw>
-                </a:effectLst>
-              </a:rPr>
-              <a:t>блок за повторения</a:t>
-            </a:r>
             <a:endParaRPr lang="en-US" sz="2800" b="1" dirty="0">
               <a:solidFill>
-                <a:schemeClr val="bg1">
-                  <a:lumMod val="60000"/>
-                  <a:lumOff val="40000"/>
-                </a:schemeClr>
+                <a:srgbClr val="FFFFFF"/>
               </a:solidFill>
               <a:effectLst>
                 <a:outerShdw blurRad="38100" dist="38100" dir="2700000" algn="tl">
@@ -14842,7 +14849,7 @@
                                           </p:stCondLst>
                                         </p:cTn>
                                         <p:tgtEl>
-                                          <p:spTgt spid="16"/>
+                                          <p:spTgt spid="17"/>
                                         </p:tgtEl>
                                         <p:attrNameLst>
                                           <p:attrName>style.visibility</p:attrName>
@@ -14869,7 +14876,7 @@
                                           </p:stCondLst>
                                         </p:cTn>
                                         <p:tgtEl>
-                                          <p:spTgt spid="17"/>
+                                          <p:spTgt spid="18"/>
                                         </p:tgtEl>
                                         <p:attrNameLst>
                                           <p:attrName>style.visibility</p:attrName>
@@ -14896,7 +14903,7 @@
                                           </p:stCondLst>
                                         </p:cTn>
                                         <p:tgtEl>
-                                          <p:spTgt spid="18"/>
+                                          <p:spTgt spid="15"/>
                                         </p:tgtEl>
                                         <p:attrNameLst>
                                           <p:attrName>style.visibility</p:attrName>
@@ -15032,10 +15039,10 @@
       <p:bldP spid="9" grpId="0" animBg="1"/>
       <p:bldP spid="11" grpId="0" animBg="1"/>
       <p:bldP spid="14" grpId="0" animBg="1"/>
-      <p:bldP spid="16" grpId="0" animBg="1"/>
       <p:bldP spid="17" grpId="0" animBg="1"/>
       <p:bldP spid="18" grpId="0" animBg="1"/>
       <p:bldP spid="19" grpId="0" animBg="1"/>
+      <p:bldP spid="15" grpId="0" animBg="1"/>
     </p:bldLst>
   </p:timing>
 </p:sld>
@@ -15153,6 +15160,13 @@
       <p:transition spd="slow" advClick="0" advTm="5000"/>
     </mc:Fallback>
   </mc:AlternateContent>
+  <p:timing>
+    <p:tnLst>
+      <p:par>
+        <p:cTn id="1" dur="indefinite" restart="never" nodeType="tmRoot"/>
+      </p:par>
+    </p:tnLst>
+  </p:timing>
 </p:sld>
 </file>
 
@@ -15818,7 +15832,15 @@
                   <a:schemeClr val="bg2"/>
                 </a:solidFill>
               </a:rPr>
-              <a:t> –</a:t>
+              <a:t> </a:t>
+            </a:r>
+            <a:r>
+              <a:rPr lang="bg-BG" sz="2900" dirty="0">
+                <a:solidFill>
+                  <a:schemeClr val="bg2"/>
+                </a:solidFill>
+              </a:rPr>
+              <a:t>–</a:t>
             </a:r>
             <a:r>
               <a:rPr lang="en-US" sz="2900" dirty="0">
@@ -15874,20 +15896,12 @@
               <a:t>Молив </a:t>
             </a:r>
             <a:r>
-              <a:rPr lang="bg-BG" sz="2900" b="1" dirty="0">
-                <a:solidFill>
-                  <a:schemeClr val="bg2"/>
-                </a:solidFill>
-              </a:rPr>
-              <a:t>–</a:t>
-            </a:r>
-            <a:r>
               <a:rPr lang="bg-BG" sz="2900" dirty="0">
                 <a:solidFill>
                   <a:schemeClr val="bg2"/>
                 </a:solidFill>
               </a:rPr>
-              <a:t> разширение за </a:t>
+              <a:t>– разширение за </a:t>
             </a:r>
             <a:r>
               <a:rPr lang="bg-BG" sz="2900" b="1" dirty="0">
@@ -16966,8 +16980,12 @@
               <a:t> (</a:t>
             </a:r>
             <a:r>
+              <a:rPr lang="en-US" sz="3200" b="1" dirty="0"/>
+              <a:t>extension</a:t>
+            </a:r>
+            <a:r>
               <a:rPr lang="en-US" sz="3200" dirty="0"/>
-              <a:t>extension) – </a:t>
+              <a:t>) – </a:t>
             </a:r>
             <a:r>
               <a:rPr lang="ru-RU" sz="3200" dirty="0"/>
@@ -16994,12 +17012,16 @@
               </a:buClr>
             </a:pPr>
             <a:r>
-              <a:rPr lang="bg-BG" sz="3000" dirty="0" err="1"/>
-              <a:t>Р</a:t>
+              <a:rPr lang="bg-BG" sz="3000" dirty="0" smtClean="0"/>
+              <a:t>Разширява </a:t>
+            </a:r>
+            <a:r>
+              <a:rPr lang="ru-RU" sz="3000" dirty="0" smtClean="0"/>
+              <a:t>обхвата </a:t>
             </a:r>
             <a:r>
               <a:rPr lang="ru-RU" sz="3000" dirty="0"/>
-              <a:t>азширява обхвата на </a:t>
+              <a:t>на </a:t>
             </a:r>
             <a:r>
               <a:rPr lang="ru-RU" sz="3000" b="1" dirty="0"/>
@@ -17397,6 +17419,37 @@
           <a:chExt cx="0" cy="0"/>
         </a:xfrm>
       </p:grpSpPr>
+      <p:pic>
+        <p:nvPicPr>
+          <p:cNvPr id="6" name="Picture 5"/>
+          <p:cNvPicPr>
+            <a:picLocks noChangeAspect="1"/>
+          </p:cNvPicPr>
+          <p:nvPr/>
+        </p:nvPicPr>
+        <p:blipFill>
+          <a:blip r:embed="rId3"/>
+          <a:stretch>
+            <a:fillRect/>
+          </a:stretch>
+        </p:blipFill>
+        <p:spPr>
+          <a:xfrm>
+            <a:off x="1102448" y="1296359"/>
+            <a:ext cx="9987105" cy="5409682"/>
+          </a:xfrm>
+          <a:prstGeom prst="rect">
+            <a:avLst/>
+          </a:prstGeom>
+          <a:ln>
+            <a:solidFill>
+              <a:schemeClr val="bg2">
+                <a:lumMod val="75000"/>
+              </a:schemeClr>
+            </a:solidFill>
+          </a:ln>
+        </p:spPr>
+      </p:pic>
       <p:sp>
         <p:nvSpPr>
           <p:cNvPr id="5" name="Title 4">
@@ -17733,41 +17786,6 @@
           </a:p>
         </p:txBody>
       </p:sp>
-      <p:pic>
-        <p:nvPicPr>
-          <p:cNvPr id="2" name="Picture 1"/>
-          <p:cNvPicPr>
-            <a:picLocks noChangeAspect="1"/>
-          </p:cNvPicPr>
-          <p:nvPr/>
-        </p:nvPicPr>
-        <p:blipFill>
-          <a:blip r:embed="rId3">
-            <a:extLst>
-              <a:ext uri="{28A0092B-C50C-407E-A947-70E740481C1C}">
-                <a14:useLocalDpi xmlns:a14="http://schemas.microsoft.com/office/drawing/2010/main" val="0"/>
-              </a:ext>
-            </a:extLst>
-          </a:blip>
-          <a:stretch>
-            <a:fillRect/>
-          </a:stretch>
-        </p:blipFill>
-        <p:spPr>
-          <a:xfrm>
-            <a:off x="1471246" y="1535050"/>
-            <a:ext cx="9249508" cy="4624754"/>
-          </a:xfrm>
-          <a:prstGeom prst="rect">
-            <a:avLst/>
-          </a:prstGeom>
-          <a:ln>
-            <a:solidFill>
-              <a:srgbClr val="D1D5DD"/>
-            </a:solidFill>
-          </a:ln>
-        </p:spPr>
-      </p:pic>
       <p:sp>
         <p:nvSpPr>
           <p:cNvPr id="3" name="Rounded Rectangular Callout 2"/>
@@ -17776,7 +17794,7 @@
         </p:nvSpPr>
         <p:spPr bwMode="auto">
           <a:xfrm>
-            <a:off x="3217985" y="4167553"/>
+            <a:off x="3101871" y="4559439"/>
             <a:ext cx="4510454" cy="1116623"/>
           </a:xfrm>
           <a:prstGeom prst="wedgeRoundRectCallout">
@@ -17980,25 +17998,37 @@
           <a:chExt cx="0" cy="0"/>
         </a:xfrm>
       </p:grpSpPr>
-      <p:sp>
-        <p:nvSpPr>
-          <p:cNvPr id="2" name="Text Placeholder 1"/>
-          <p:cNvSpPr>
-            <a:spLocks noGrp="1"/>
-          </p:cNvSpPr>
-          <p:nvPr>
-            <p:ph type="body" sz="quarter" idx="10"/>
-          </p:nvPr>
-        </p:nvSpPr>
-        <p:spPr/>
-        <p:txBody>
-          <a:bodyPr/>
-          <a:lstStyle/>
-          <a:p>
-            <a:endParaRPr lang="en-US" dirty="0"/>
-          </a:p>
-        </p:txBody>
-      </p:sp>
+      <p:pic>
+        <p:nvPicPr>
+          <p:cNvPr id="9" name="Picture 8"/>
+          <p:cNvPicPr>
+            <a:picLocks noChangeAspect="1"/>
+          </p:cNvPicPr>
+          <p:nvPr/>
+        </p:nvPicPr>
+        <p:blipFill>
+          <a:blip r:embed="rId2"/>
+          <a:stretch>
+            <a:fillRect/>
+          </a:stretch>
+        </p:blipFill>
+        <p:spPr>
+          <a:xfrm>
+            <a:off x="1102448" y="1296360"/>
+            <a:ext cx="9987105" cy="5409682"/>
+          </a:xfrm>
+          <a:prstGeom prst="rect">
+            <a:avLst/>
+          </a:prstGeom>
+          <a:ln>
+            <a:solidFill>
+              <a:schemeClr val="bg2">
+                <a:lumMod val="75000"/>
+              </a:schemeClr>
+            </a:solidFill>
+          </a:ln>
+        </p:spPr>
+      </p:pic>
       <p:sp>
         <p:nvSpPr>
           <p:cNvPr id="3" name="Title 2"/>
@@ -18046,36 +18076,6 @@
           </a:p>
         </p:txBody>
       </p:sp>
-      <p:pic>
-        <p:nvPicPr>
-          <p:cNvPr id="5" name="Picture 4"/>
-          <p:cNvPicPr>
-            <a:picLocks noChangeAspect="1"/>
-          </p:cNvPicPr>
-          <p:nvPr/>
-        </p:nvPicPr>
-        <p:blipFill>
-          <a:blip r:embed="rId2">
-            <a:extLst>
-              <a:ext uri="{28A0092B-C50C-407E-A947-70E740481C1C}">
-                <a14:useLocalDpi xmlns:a14="http://schemas.microsoft.com/office/drawing/2010/main" val="0"/>
-              </a:ext>
-            </a:extLst>
-          </a:blip>
-          <a:stretch>
-            <a:fillRect/>
-          </a:stretch>
-        </p:blipFill>
-        <p:spPr>
-          <a:xfrm>
-            <a:off x="0" y="1072418"/>
-            <a:ext cx="12192000" cy="5785582"/>
-          </a:xfrm>
-          <a:prstGeom prst="rect">
-            <a:avLst/>
-          </a:prstGeom>
-        </p:spPr>
-      </p:pic>
       <p:sp>
         <p:nvSpPr>
           <p:cNvPr id="6" name="Rounded Rectangular Callout 5"/>
@@ -18084,13 +18084,13 @@
         </p:nvSpPr>
         <p:spPr bwMode="auto">
           <a:xfrm>
-            <a:off x="4113334" y="3477236"/>
+            <a:off x="5122811" y="4150789"/>
             <a:ext cx="3965331" cy="975946"/>
           </a:xfrm>
           <a:prstGeom prst="wedgeRoundRectCallout">
             <a:avLst>
-              <a:gd name="adj1" fmla="val -105755"/>
-              <a:gd name="adj2" fmla="val -58220"/>
+              <a:gd name="adj1" fmla="val -98309"/>
+              <a:gd name="adj2" fmla="val -60172"/>
               <a:gd name="adj3" fmla="val 16667"/>
             </a:avLst>
           </a:prstGeom>
@@ -18281,6 +18281,37 @@
           <a:chExt cx="0" cy="0"/>
         </a:xfrm>
       </p:grpSpPr>
+      <p:pic>
+        <p:nvPicPr>
+          <p:cNvPr id="8" name="Picture 7"/>
+          <p:cNvPicPr>
+            <a:picLocks noChangeAspect="1"/>
+          </p:cNvPicPr>
+          <p:nvPr/>
+        </p:nvPicPr>
+        <p:blipFill>
+          <a:blip r:embed="rId2"/>
+          <a:stretch>
+            <a:fillRect/>
+          </a:stretch>
+        </p:blipFill>
+        <p:spPr>
+          <a:xfrm>
+            <a:off x="1102448" y="1296360"/>
+            <a:ext cx="9987105" cy="5409682"/>
+          </a:xfrm>
+          <a:prstGeom prst="rect">
+            <a:avLst/>
+          </a:prstGeom>
+          <a:ln>
+            <a:solidFill>
+              <a:schemeClr val="bg2">
+                <a:lumMod val="75000"/>
+              </a:schemeClr>
+            </a:solidFill>
+          </a:ln>
+        </p:spPr>
+      </p:pic>
       <p:sp>
         <p:nvSpPr>
           <p:cNvPr id="3" name="Title 2"/>
@@ -18328,43 +18359,6 @@
           </a:p>
         </p:txBody>
       </p:sp>
-      <p:pic>
-        <p:nvPicPr>
-          <p:cNvPr id="5" name="Picture 4"/>
-          <p:cNvPicPr>
-            <a:picLocks noChangeAspect="1"/>
-          </p:cNvPicPr>
-          <p:nvPr/>
-        </p:nvPicPr>
-        <p:blipFill>
-          <a:blip r:embed="rId2">
-            <a:extLst>
-              <a:ext uri="{28A0092B-C50C-407E-A947-70E740481C1C}">
-                <a14:useLocalDpi xmlns:a14="http://schemas.microsoft.com/office/drawing/2010/main" val="0"/>
-              </a:ext>
-            </a:extLst>
-          </a:blip>
-          <a:stretch>
-            <a:fillRect/>
-          </a:stretch>
-        </p:blipFill>
-        <p:spPr>
-          <a:xfrm>
-            <a:off x="1154412" y="1367994"/>
-            <a:ext cx="10053161" cy="5029200"/>
-          </a:xfrm>
-          <a:prstGeom prst="rect">
-            <a:avLst/>
-          </a:prstGeom>
-          <a:ln>
-            <a:solidFill>
-              <a:schemeClr val="bg2">
-                <a:lumMod val="75000"/>
-              </a:schemeClr>
-            </a:solidFill>
-          </a:ln>
-        </p:spPr>
-      </p:pic>
       <p:sp>
         <p:nvSpPr>
           <p:cNvPr id="6" name="Rounded Rectangular Callout 5"/>
@@ -18373,13 +18367,13 @@
         </p:nvSpPr>
         <p:spPr bwMode="auto">
           <a:xfrm>
-            <a:off x="3956538" y="2479430"/>
+            <a:off x="4035669" y="3613637"/>
             <a:ext cx="4273062" cy="1468315"/>
           </a:xfrm>
           <a:prstGeom prst="wedgeRoundRectCallout">
             <a:avLst>
-              <a:gd name="adj1" fmla="val -108076"/>
-              <a:gd name="adj2" fmla="val 63698"/>
+              <a:gd name="adj1" fmla="val -105847"/>
+              <a:gd name="adj2" fmla="val 103918"/>
               <a:gd name="adj3" fmla="val 16667"/>
             </a:avLst>
           </a:prstGeom>
@@ -18700,6 +18694,13 @@
       <p:transition spd="slow" advClick="0" advTm="5000"/>
     </mc:Fallback>
   </mc:AlternateContent>
+  <p:timing>
+    <p:tnLst>
+      <p:par>
+        <p:cTn id="1" dur="indefinite" restart="never" nodeType="tmRoot"/>
+      </p:par>
+    </p:tnLst>
+  </p:timing>
 </p:sld>
 </file>
 

--- a/Courses/Computer-Modeling-and-IT/Computer-Modeling-and-IT-5-Class/18-Drawing-Figures/18-Drawing-Figures.pptx
+++ b/Courses/Computer-Modeling-and-IT/Computer-Modeling-and-IT-5-Class/18-Drawing-Figures/18-Drawing-Figures.pptx
@@ -579,7 +579,7 @@
           <a:p>
             <a:fld id="{4E087215-0C8F-4762-A664-737A353EC9A4}" type="datetimeFigureOut">
               <a:rPr lang="bg-BG" smtClean="0"/>
-              <a:t>6.1.2024 г.</a:t>
+              <a:t>13.01.24 г.</a:t>
             </a:fld>
             <a:endParaRPr lang="bg-BG"/>
           </a:p>
@@ -756,7 +756,7 @@
           <a:p>
             <a:fld id="{72D84649-876A-46C9-8472-14CB09C070D8}" type="datetimeFigureOut">
               <a:rPr lang="en-US" smtClean="0"/>
-              <a:t>1/6/2024</a:t>
+              <a:t>1/13/24</a:t>
             </a:fld>
             <a:endParaRPr lang="en-US"/>
           </a:p>
@@ -3026,7 +3026,7 @@
             <a:fld id="{055373AC-9AA7-423B-BA00-BA1C74164DBD}" type="datetime1">
               <a:rPr lang="en-US" smtClean="0"/>
               <a:pPr/>
-              <a:t>1/6/2024</a:t>
+              <a:t>1/13/24</a:t>
             </a:fld>
             <a:endParaRPr lang="en-US" dirty="0"/>
           </a:p>
@@ -3705,7 +3705,7 @@
             <a:fld id="{055373AC-9AA7-423B-BA00-BA1C74164DBD}" type="datetime1">
               <a:rPr lang="en-US" smtClean="0"/>
               <a:pPr/>
-              <a:t>1/6/2024</a:t>
+              <a:t>1/13/24</a:t>
             </a:fld>
             <a:endParaRPr lang="en-US" dirty="0"/>
           </a:p>
@@ -4464,7 +4464,7 @@
             <a:fld id="{055373AC-9AA7-423B-BA00-BA1C74164DBD}" type="datetime1">
               <a:rPr lang="en-US" smtClean="0"/>
               <a:pPr/>
-              <a:t>1/6/2024</a:t>
+              <a:t>1/13/24</a:t>
             </a:fld>
             <a:endParaRPr lang="en-US" dirty="0"/>
           </a:p>
@@ -4959,7 +4959,7 @@
             <a:fld id="{055373AC-9AA7-423B-BA00-BA1C74164DBD}" type="datetime1">
               <a:rPr lang="en-US" smtClean="0"/>
               <a:pPr/>
-              <a:t>1/6/2024</a:t>
+              <a:t>1/13/24</a:t>
             </a:fld>
             <a:endParaRPr lang="en-US" dirty="0"/>
           </a:p>
@@ -7069,7 +7069,7 @@
             <a:fld id="{055373AC-9AA7-423B-BA00-BA1C74164DBD}" type="datetime1">
               <a:rPr lang="en-US" smtClean="0"/>
               <a:pPr/>
-              <a:t>1/6/2024</a:t>
+              <a:t>1/13/24</a:t>
             </a:fld>
             <a:endParaRPr lang="en-US" dirty="0"/>
           </a:p>
@@ -8408,7 +8408,7 @@
             <a:fld id="{055373AC-9AA7-423B-BA00-BA1C74164DBD}" type="datetime1">
               <a:rPr lang="en-US" smtClean="0"/>
               <a:pPr/>
-              <a:t>1/6/2024</a:t>
+              <a:t>1/13/24</a:t>
             </a:fld>
             <a:endParaRPr lang="en-US" dirty="0"/>
           </a:p>
@@ -9488,7 +9488,7 @@
             <a:fld id="{055373AC-9AA7-423B-BA00-BA1C74164DBD}" type="datetime1">
               <a:rPr lang="en-US" smtClean="0"/>
               <a:pPr/>
-              <a:t>1/6/2024</a:t>
+              <a:t>1/13/24</a:t>
             </a:fld>
             <a:endParaRPr lang="en-US" dirty="0"/>
           </a:p>
@@ -9900,7 +9900,7 @@
             <a:fld id="{055373AC-9AA7-423B-BA00-BA1C74164DBD}" type="datetime1">
               <a:rPr lang="en-US" smtClean="0"/>
               <a:pPr/>
-              <a:t>1/6/2024</a:t>
+              <a:t>1/13/24</a:t>
             </a:fld>
             <a:endParaRPr lang="en-US" dirty="0"/>
           </a:p>
@@ -10270,7 +10270,7 @@
             <a:fld id="{055373AC-9AA7-423B-BA00-BA1C74164DBD}" type="datetime1">
               <a:rPr lang="en-US" smtClean="0"/>
               <a:pPr/>
-              <a:t>1/6/2024</a:t>
+              <a:t>1/13/24</a:t>
             </a:fld>
             <a:endParaRPr lang="en-US" dirty="0"/>
           </a:p>
@@ -10938,7 +10938,7 @@
             <a:fld id="{055373AC-9AA7-423B-BA00-BA1C74164DBD}" type="datetime1">
               <a:rPr lang="en-US" smtClean="0"/>
               <a:pPr/>
-              <a:t>1/6/2024</a:t>
+              <a:t>1/13/24</a:t>
             </a:fld>
             <a:endParaRPr lang="en-US" dirty="0"/>
           </a:p>
@@ -11146,7 +11146,7 @@
             <a:fld id="{055373AC-9AA7-423B-BA00-BA1C74164DBD}" type="datetime1">
               <a:rPr lang="en-US" smtClean="0"/>
               <a:pPr/>
-              <a:t>1/6/2024</a:t>
+              <a:t>1/13/24</a:t>
             </a:fld>
             <a:endParaRPr lang="en-US" dirty="0"/>
           </a:p>
@@ -12198,8 +12198,8 @@
         </p:nvSpPr>
         <p:spPr>
           <a:xfrm>
-            <a:off x="5523262" y="2313309"/>
-            <a:ext cx="5037555" cy="587441"/>
+            <a:off x="5523261" y="2308709"/>
+            <a:ext cx="5710795" cy="648997"/>
           </a:xfrm>
           <a:prstGeom prst="rect">
             <a:avLst/>
@@ -12216,14 +12216,14 @@
           <a:lstStyle/>
           <a:p>
             <a:r>
-              <a:rPr lang="ru-RU" sz="2400" b="1" dirty="0"/>
+              <a:rPr lang="ru-RU" sz="2800" b="1" dirty="0"/>
               <a:t>Изтрива</a:t>
             </a:r>
             <a:r>
-              <a:rPr lang="ru-RU" sz="2400" dirty="0"/>
+              <a:rPr lang="ru-RU" sz="2800" dirty="0"/>
               <a:t> всички следи от молива</a:t>
             </a:r>
-            <a:endParaRPr lang="en-US" sz="2400" b="1" dirty="0"/>
+            <a:endParaRPr lang="en-US" sz="2800" b="1" dirty="0"/>
           </a:p>
         </p:txBody>
       </p:sp>
@@ -12235,8 +12235,8 @@
         </p:nvSpPr>
         <p:spPr>
           <a:xfrm>
-            <a:off x="5523262" y="3268402"/>
-            <a:ext cx="5037555" cy="1010314"/>
+            <a:off x="5523262" y="3117019"/>
+            <a:ext cx="5710795" cy="1142337"/>
           </a:xfrm>
           <a:prstGeom prst="rect">
             <a:avLst/>
@@ -12265,18 +12265,18 @@
               <a:buSzPct val="70000"/>
             </a:pPr>
             <a:r>
-              <a:rPr lang="bg-BG" sz="2400" dirty="0"/>
+              <a:rPr lang="bg-BG" sz="2800" dirty="0"/>
               <a:t>Пътят, който спрайтът изминава, </a:t>
             </a:r>
             <a:r>
-              <a:rPr lang="bg-BG" sz="2400" b="1" dirty="0"/>
+              <a:rPr lang="bg-BG" sz="2800" b="1" dirty="0"/>
               <a:t>ще се изчертава</a:t>
             </a:r>
             <a:r>
-              <a:rPr lang="bg-BG" sz="2400" dirty="0"/>
+              <a:rPr lang="bg-BG" sz="2800" dirty="0"/>
               <a:t> на сцената</a:t>
             </a:r>
-            <a:endParaRPr lang="en-US" sz="2400" dirty="0"/>
+            <a:endParaRPr lang="en-US" sz="2800" dirty="0"/>
           </a:p>
         </p:txBody>
       </p:sp>
@@ -12288,8 +12288,8 @@
         </p:nvSpPr>
         <p:spPr>
           <a:xfrm>
-            <a:off x="5523262" y="4561698"/>
-            <a:ext cx="5365934" cy="604049"/>
+            <a:off x="5523262" y="4366417"/>
+            <a:ext cx="5365934" cy="1142337"/>
           </a:xfrm>
           <a:prstGeom prst="rect">
             <a:avLst/>
@@ -12318,14 +12318,21 @@
               <a:buSzPct val="70000"/>
             </a:pPr>
             <a:r>
-              <a:rPr lang="bg-BG" sz="2400" b="1" dirty="0"/>
+              <a:rPr lang="bg-BG" sz="2800" b="1" dirty="0"/>
               <a:t>Спира изчертаването </a:t>
             </a:r>
             <a:r>
-              <a:rPr lang="bg-BG" sz="2400" dirty="0"/>
-              <a:t>на пътя на героя</a:t>
-            </a:r>
-            <a:endParaRPr lang="en-US" sz="2400" dirty="0"/>
+              <a:rPr lang="bg-BG" sz="2800" dirty="0"/>
+              <a:t>на пътя </a:t>
+            </a:r>
+            <a:br>
+              <a:rPr lang="bg-BG" sz="2800" dirty="0"/>
+            </a:br>
+            <a:r>
+              <a:rPr lang="bg-BG" sz="2800" dirty="0"/>
+              <a:t>на героя</a:t>
+            </a:r>
+            <a:endParaRPr lang="en-US" sz="2800" dirty="0"/>
           </a:p>
         </p:txBody>
       </p:sp>
@@ -12337,8 +12344,8 @@
         </p:nvSpPr>
         <p:spPr>
           <a:xfrm>
-            <a:off x="5523262" y="5681129"/>
-            <a:ext cx="5604426" cy="604049"/>
+            <a:off x="5523262" y="5498247"/>
+            <a:ext cx="5604426" cy="1142337"/>
           </a:xfrm>
           <a:prstGeom prst="rect">
             <a:avLst/>
@@ -12367,14 +12374,14 @@
               <a:buSzPct val="70000"/>
             </a:pPr>
             <a:r>
-              <a:rPr lang="bg-BG" sz="2400" b="1" dirty="0"/>
+              <a:rPr lang="bg-BG" sz="2800" b="1" dirty="0"/>
               <a:t>Задава се цвят </a:t>
             </a:r>
             <a:r>
-              <a:rPr lang="bg-BG" sz="2400" dirty="0"/>
+              <a:rPr lang="bg-BG" sz="2800" dirty="0"/>
               <a:t>на изчертаването на пътя</a:t>
             </a:r>
-            <a:endParaRPr lang="en-US" sz="2400" b="1" dirty="0"/>
+            <a:endParaRPr lang="en-US" sz="2800" b="1" dirty="0"/>
           </a:p>
         </p:txBody>
       </p:sp>
@@ -13733,13 +13740,6 @@
       <p:transition spd="slow" advClick="0" advTm="5000"/>
     </mc:Fallback>
   </mc:AlternateContent>
-  <p:timing>
-    <p:tnLst>
-      <p:par>
-        <p:cTn id="1" dur="indefinite" restart="never" nodeType="tmRoot"/>
-      </p:par>
-    </p:tnLst>
-  </p:timing>
 </p:sld>
 </file>
 
@@ -14188,8 +14188,8 @@
         </p:nvSpPr>
         <p:spPr bwMode="auto">
           <a:xfrm>
-            <a:off x="5093966" y="3021446"/>
-            <a:ext cx="2062969" cy="729344"/>
+            <a:off x="5093966" y="3034609"/>
+            <a:ext cx="2062969" cy="745341"/>
           </a:xfrm>
           <a:prstGeom prst="rect">
             <a:avLst/>
@@ -14439,72 +14439,6 @@
           <a:lstStyle/>
           <a:p>
             <a:pPr algn="ctr"/>
-            <a:r>
-              <a:rPr lang="bg-BG" sz="2800" b="1" dirty="0">
-                <a:solidFill>
-                  <a:srgbClr val="FFFFFF"/>
-                </a:solidFill>
-                <a:effectLst>
-                  <a:outerShdw blurRad="38100" dist="38100" dir="2700000" algn="tl">
-                    <a:srgbClr val="000000">
-                      <a:alpha val="43137"/>
-                    </a:srgbClr>
-                  </a:outerShdw>
-                </a:effectLst>
-              </a:rPr>
-              <a:t>Два блока се повтарят </a:t>
-            </a:r>
-            <a:r>
-              <a:rPr lang="bg-BG" sz="2800" b="1" dirty="0">
-                <a:solidFill>
-                  <a:schemeClr val="bg1">
-                    <a:lumMod val="60000"/>
-                    <a:lumOff val="40000"/>
-                  </a:schemeClr>
-                </a:solidFill>
-                <a:effectLst>
-                  <a:outerShdw blurRad="38100" dist="38100" dir="2700000" algn="tl">
-                    <a:srgbClr val="000000">
-                      <a:alpha val="43137"/>
-                    </a:srgbClr>
-                  </a:outerShdw>
-                </a:effectLst>
-              </a:rPr>
-              <a:t>няколко пъти</a:t>
-            </a:r>
-            <a:r>
-              <a:rPr lang="bg-BG" sz="2800" b="1" dirty="0">
-                <a:solidFill>
-                  <a:srgbClr val="FFFFFF"/>
-                </a:solidFill>
-                <a:effectLst>
-                  <a:outerShdw blurRad="38100" dist="38100" dir="2700000" algn="tl">
-                    <a:srgbClr val="000000">
-                      <a:alpha val="43137"/>
-                    </a:srgbClr>
-                  </a:outerShdw>
-                </a:effectLst>
-              </a:rPr>
-              <a:t>. За това можем да използваме </a:t>
-            </a:r>
-            <a:r>
-              <a:rPr lang="bg-BG" sz="2800" b="1" dirty="0">
-                <a:solidFill>
-                  <a:schemeClr val="bg1">
-                    <a:lumMod val="60000"/>
-                    <a:lumOff val="40000"/>
-                  </a:schemeClr>
-                </a:solidFill>
-                <a:effectLst>
-                  <a:outerShdw blurRad="38100" dist="38100" dir="2700000" algn="tl">
-                    <a:srgbClr val="000000">
-                      <a:alpha val="43137"/>
-                    </a:srgbClr>
-                  </a:outerShdw>
-                </a:effectLst>
-              </a:rPr>
-              <a:t>блок за повторения</a:t>
-            </a:r>
             <a:endParaRPr lang="en-US" sz="2800" b="1" dirty="0">
               <a:solidFill>
                 <a:schemeClr val="bg1">
@@ -14578,6 +14512,321 @@
             <a:endParaRPr lang="en-US" sz="2800" b="1" dirty="0">
               <a:solidFill>
                 <a:srgbClr val="FFFFFF"/>
+              </a:solidFill>
+              <a:effectLst>
+                <a:outerShdw blurRad="38100" dist="38100" dir="2700000" algn="tl">
+                  <a:srgbClr val="000000">
+                    <a:alpha val="43137"/>
+                  </a:srgbClr>
+                </a:outerShdw>
+              </a:effectLst>
+            </a:endParaRPr>
+          </a:p>
+        </p:txBody>
+      </p:sp>
+      <p:sp>
+        <p:nvSpPr>
+          <p:cNvPr id="6" name="Rounded Rectangular Callout 5">
+            <a:extLst>
+              <a:ext uri="{FF2B5EF4-FFF2-40B4-BE49-F238E27FC236}">
+                <a16:creationId xmlns:a16="http://schemas.microsoft.com/office/drawing/2014/main" id="{DDECDA55-769C-30D2-FCA2-A2DD1C07131F}"/>
+              </a:ext>
+            </a:extLst>
+          </p:cNvPr>
+          <p:cNvSpPr/>
+          <p:nvPr/>
+        </p:nvSpPr>
+        <p:spPr bwMode="auto">
+          <a:xfrm>
+            <a:off x="7633989" y="3715871"/>
+            <a:ext cx="4402747" cy="1951456"/>
+          </a:xfrm>
+          <a:prstGeom prst="wedgeRoundRectCallout">
+            <a:avLst>
+              <a:gd name="adj1" fmla="val -60392"/>
+              <a:gd name="adj2" fmla="val -22584"/>
+              <a:gd name="adj3" fmla="val 16667"/>
+            </a:avLst>
+          </a:prstGeom>
+          <a:solidFill>
+            <a:schemeClr val="dk2">
+              <a:alpha val="80000"/>
+            </a:schemeClr>
+          </a:solidFill>
+          <a:ln w="19050">
+            <a:solidFill>
+              <a:schemeClr val="tx1">
+                <a:lumMod val="75000"/>
+                <a:alpha val="80000"/>
+              </a:schemeClr>
+            </a:solidFill>
+          </a:ln>
+          <a:effectLst/>
+        </p:spPr>
+        <p:style>
+          <a:lnRef idx="2">
+            <a:schemeClr val="accent1">
+              <a:shade val="50000"/>
+            </a:schemeClr>
+          </a:lnRef>
+          <a:fillRef idx="1001">
+            <a:schemeClr val="dk2"/>
+          </a:fillRef>
+          <a:effectRef idx="0">
+            <a:schemeClr val="accent1"/>
+          </a:effectRef>
+          <a:fontRef idx="minor">
+            <a:schemeClr val="lt1"/>
+          </a:fontRef>
+        </p:style>
+        <p:txBody>
+          <a:bodyPr rot="0" spcFirstLastPara="0" vertOverflow="overflow" horzOverflow="overflow" vert="horz" wrap="square" lIns="91440" tIns="45720" rIns="91440" bIns="45720" numCol="1" spcCol="0" rtlCol="0" fromWordArt="0" anchor="ctr" anchorCtr="0" forceAA="0" compatLnSpc="1">
+            <a:prstTxWarp prst="textNoShape">
+              <a:avLst/>
+            </a:prstTxWarp>
+            <a:noAutofit/>
+          </a:bodyPr>
+          <a:lstStyle/>
+          <a:p>
+            <a:pPr algn="ctr"/>
+            <a:endParaRPr lang="en-US" sz="2800" b="1" dirty="0">
+              <a:solidFill>
+                <a:schemeClr val="bg1">
+                  <a:lumMod val="60000"/>
+                  <a:lumOff val="40000"/>
+                </a:schemeClr>
+              </a:solidFill>
+              <a:effectLst>
+                <a:outerShdw blurRad="38100" dist="38100" dir="2700000" algn="tl">
+                  <a:srgbClr val="000000">
+                    <a:alpha val="43137"/>
+                  </a:srgbClr>
+                </a:outerShdw>
+              </a:effectLst>
+            </a:endParaRPr>
+          </a:p>
+        </p:txBody>
+      </p:sp>
+      <p:sp>
+        <p:nvSpPr>
+          <p:cNvPr id="10" name="Rounded Rectangular Callout 9">
+            <a:extLst>
+              <a:ext uri="{FF2B5EF4-FFF2-40B4-BE49-F238E27FC236}">
+                <a16:creationId xmlns:a16="http://schemas.microsoft.com/office/drawing/2014/main" id="{D3225D5E-1549-C699-102E-61F75B0E1A4A}"/>
+              </a:ext>
+            </a:extLst>
+          </p:cNvPr>
+          <p:cNvSpPr/>
+          <p:nvPr/>
+        </p:nvSpPr>
+        <p:spPr bwMode="auto">
+          <a:xfrm>
+            <a:off x="7629470" y="3715871"/>
+            <a:ext cx="4402747" cy="1951456"/>
+          </a:xfrm>
+          <a:prstGeom prst="wedgeRoundRectCallout">
+            <a:avLst>
+              <a:gd name="adj1" fmla="val -59799"/>
+              <a:gd name="adj2" fmla="val 10886"/>
+              <a:gd name="adj3" fmla="val 16667"/>
+            </a:avLst>
+          </a:prstGeom>
+          <a:solidFill>
+            <a:schemeClr val="dk2">
+              <a:alpha val="80000"/>
+            </a:schemeClr>
+          </a:solidFill>
+          <a:ln w="19050">
+            <a:solidFill>
+              <a:schemeClr val="tx1">
+                <a:lumMod val="75000"/>
+                <a:alpha val="80000"/>
+              </a:schemeClr>
+            </a:solidFill>
+          </a:ln>
+          <a:effectLst/>
+        </p:spPr>
+        <p:style>
+          <a:lnRef idx="2">
+            <a:schemeClr val="accent1">
+              <a:shade val="50000"/>
+            </a:schemeClr>
+          </a:lnRef>
+          <a:fillRef idx="1001">
+            <a:schemeClr val="dk2"/>
+          </a:fillRef>
+          <a:effectRef idx="0">
+            <a:schemeClr val="accent1"/>
+          </a:effectRef>
+          <a:fontRef idx="minor">
+            <a:schemeClr val="lt1"/>
+          </a:fontRef>
+        </p:style>
+        <p:txBody>
+          <a:bodyPr rot="0" spcFirstLastPara="0" vertOverflow="overflow" horzOverflow="overflow" vert="horz" wrap="square" lIns="91440" tIns="45720" rIns="91440" bIns="45720" numCol="1" spcCol="0" rtlCol="0" fromWordArt="0" anchor="ctr" anchorCtr="0" forceAA="0" compatLnSpc="1">
+            <a:prstTxWarp prst="textNoShape">
+              <a:avLst/>
+            </a:prstTxWarp>
+            <a:noAutofit/>
+          </a:bodyPr>
+          <a:lstStyle/>
+          <a:p>
+            <a:pPr algn="ctr"/>
+            <a:endParaRPr lang="en-US" sz="2800" b="1" dirty="0">
+              <a:solidFill>
+                <a:schemeClr val="bg1">
+                  <a:lumMod val="60000"/>
+                  <a:lumOff val="40000"/>
+                </a:schemeClr>
+              </a:solidFill>
+              <a:effectLst>
+                <a:outerShdw blurRad="38100" dist="38100" dir="2700000" algn="tl">
+                  <a:srgbClr val="000000">
+                    <a:alpha val="43137"/>
+                  </a:srgbClr>
+                </a:outerShdw>
+              </a:effectLst>
+            </a:endParaRPr>
+          </a:p>
+        </p:txBody>
+      </p:sp>
+      <p:sp>
+        <p:nvSpPr>
+          <p:cNvPr id="13" name="Rounded Rectangular Callout 12">
+            <a:extLst>
+              <a:ext uri="{FF2B5EF4-FFF2-40B4-BE49-F238E27FC236}">
+                <a16:creationId xmlns:a16="http://schemas.microsoft.com/office/drawing/2014/main" id="{0356AD17-0DAC-612B-B49B-A5D0E9723134}"/>
+              </a:ext>
+            </a:extLst>
+          </p:cNvPr>
+          <p:cNvSpPr/>
+          <p:nvPr/>
+        </p:nvSpPr>
+        <p:spPr bwMode="auto">
+          <a:xfrm>
+            <a:off x="7624951" y="3715871"/>
+            <a:ext cx="4402747" cy="1951456"/>
+          </a:xfrm>
+          <a:prstGeom prst="wedgeRoundRectCallout">
+            <a:avLst>
+              <a:gd name="adj1" fmla="val -60096"/>
+              <a:gd name="adj2" fmla="val 53727"/>
+              <a:gd name="adj3" fmla="val 16667"/>
+            </a:avLst>
+          </a:prstGeom>
+          <a:solidFill>
+            <a:schemeClr val="dk2">
+              <a:alpha val="80000"/>
+            </a:schemeClr>
+          </a:solidFill>
+          <a:ln w="19050">
+            <a:solidFill>
+              <a:schemeClr val="tx1">
+                <a:lumMod val="75000"/>
+                <a:alpha val="80000"/>
+              </a:schemeClr>
+            </a:solidFill>
+          </a:ln>
+          <a:effectLst/>
+        </p:spPr>
+        <p:style>
+          <a:lnRef idx="2">
+            <a:schemeClr val="accent1">
+              <a:shade val="50000"/>
+            </a:schemeClr>
+          </a:lnRef>
+          <a:fillRef idx="1001">
+            <a:schemeClr val="dk2"/>
+          </a:fillRef>
+          <a:effectRef idx="0">
+            <a:schemeClr val="accent1"/>
+          </a:effectRef>
+          <a:fontRef idx="minor">
+            <a:schemeClr val="lt1"/>
+          </a:fontRef>
+        </p:style>
+        <p:txBody>
+          <a:bodyPr rot="0" spcFirstLastPara="0" vertOverflow="overflow" horzOverflow="overflow" vert="horz" wrap="square" lIns="91440" tIns="45720" rIns="91440" bIns="45720" numCol="1" spcCol="0" rtlCol="0" fromWordArt="0" anchor="ctr" anchorCtr="0" forceAA="0" compatLnSpc="1">
+            <a:prstTxWarp prst="textNoShape">
+              <a:avLst/>
+            </a:prstTxWarp>
+            <a:noAutofit/>
+          </a:bodyPr>
+          <a:lstStyle/>
+          <a:p>
+            <a:pPr algn="ctr"/>
+            <a:r>
+              <a:rPr lang="bg-BG" sz="2800" b="1" dirty="0">
+                <a:solidFill>
+                  <a:srgbClr val="FFFFFF"/>
+                </a:solidFill>
+                <a:effectLst>
+                  <a:outerShdw blurRad="38100" dist="38100" dir="2700000" algn="tl">
+                    <a:srgbClr val="000000">
+                      <a:alpha val="43137"/>
+                    </a:srgbClr>
+                  </a:outerShdw>
+                </a:effectLst>
+              </a:rPr>
+              <a:t>Два блока се повтарят </a:t>
+            </a:r>
+            <a:r>
+              <a:rPr lang="bg-BG" sz="2800" b="1" dirty="0">
+                <a:solidFill>
+                  <a:schemeClr val="bg1">
+                    <a:lumMod val="60000"/>
+                    <a:lumOff val="40000"/>
+                  </a:schemeClr>
+                </a:solidFill>
+                <a:effectLst>
+                  <a:outerShdw blurRad="38100" dist="38100" dir="2700000" algn="tl">
+                    <a:srgbClr val="000000">
+                      <a:alpha val="43137"/>
+                    </a:srgbClr>
+                  </a:outerShdw>
+                </a:effectLst>
+              </a:rPr>
+              <a:t>няколко пъти</a:t>
+            </a:r>
+            <a:r>
+              <a:rPr lang="bg-BG" sz="2800" b="1" dirty="0">
+                <a:solidFill>
+                  <a:srgbClr val="FFFFFF"/>
+                </a:solidFill>
+                <a:effectLst>
+                  <a:outerShdw blurRad="38100" dist="38100" dir="2700000" algn="tl">
+                    <a:srgbClr val="000000">
+                      <a:alpha val="43137"/>
+                    </a:srgbClr>
+                  </a:outerShdw>
+                </a:effectLst>
+              </a:rPr>
+              <a:t>. За това можем да използваме </a:t>
+            </a:r>
+            <a:r>
+              <a:rPr lang="bg-BG" sz="2800" b="1" dirty="0">
+                <a:solidFill>
+                  <a:schemeClr val="bg1">
+                    <a:lumMod val="60000"/>
+                    <a:lumOff val="40000"/>
+                  </a:schemeClr>
+                </a:solidFill>
+                <a:effectLst>
+                  <a:outerShdw blurRad="38100" dist="38100" dir="2700000" algn="tl">
+                    <a:srgbClr val="000000">
+                      <a:alpha val="43137"/>
+                    </a:srgbClr>
+                  </a:outerShdw>
+                </a:effectLst>
+              </a:rPr>
+              <a:t>блок за повторения</a:t>
+            </a:r>
+            <a:endParaRPr lang="en-US" sz="2800" b="1" dirty="0">
+              <a:solidFill>
+                <a:schemeClr val="bg1">
+                  <a:lumMod val="60000"/>
+                  <a:lumOff val="40000"/>
+                </a:schemeClr>
               </a:solidFill>
               <a:effectLst>
                 <a:outerShdw blurRad="38100" dist="38100" dir="2700000" algn="tl">
@@ -14849,7 +15098,7 @@
                                           </p:stCondLst>
                                         </p:cTn>
                                         <p:tgtEl>
-                                          <p:spTgt spid="17"/>
+                                          <p:spTgt spid="6"/>
                                         </p:tgtEl>
                                         <p:attrNameLst>
                                           <p:attrName>style.visibility</p:attrName>
@@ -14876,7 +15125,7 @@
                                           </p:stCondLst>
                                         </p:cTn>
                                         <p:tgtEl>
-                                          <p:spTgt spid="18"/>
+                                          <p:spTgt spid="10"/>
                                         </p:tgtEl>
                                         <p:attrNameLst>
                                           <p:attrName>style.visibility</p:attrName>
@@ -14903,6 +15152,87 @@
                                           </p:stCondLst>
                                         </p:cTn>
                                         <p:tgtEl>
+                                          <p:spTgt spid="13"/>
+                                        </p:tgtEl>
+                                        <p:attrNameLst>
+                                          <p:attrName>style.visibility</p:attrName>
+                                        </p:attrNameLst>
+                                      </p:cBhvr>
+                                      <p:to>
+                                        <p:strVal val="visible"/>
+                                      </p:to>
+                                    </p:set>
+                                  </p:childTnLst>
+                                </p:cTn>
+                              </p:par>
+                              <p:par>
+                                <p:cTn id="29" presetID="1" presetClass="entr" presetSubtype="0" fill="hold" grpId="0" nodeType="withEffect">
+                                  <p:stCondLst>
+                                    <p:cond delay="0"/>
+                                  </p:stCondLst>
+                                  <p:childTnLst>
+                                    <p:set>
+                                      <p:cBhvr>
+                                        <p:cTn id="30" dur="1" fill="hold">
+                                          <p:stCondLst>
+                                            <p:cond delay="0"/>
+                                          </p:stCondLst>
+                                        </p:cTn>
+                                        <p:tgtEl>
+                                          <p:spTgt spid="17"/>
+                                        </p:tgtEl>
+                                        <p:attrNameLst>
+                                          <p:attrName>style.visibility</p:attrName>
+                                        </p:attrNameLst>
+                                      </p:cBhvr>
+                                      <p:to>
+                                        <p:strVal val="visible"/>
+                                      </p:to>
+                                    </p:set>
+                                  </p:childTnLst>
+                                </p:cTn>
+                              </p:par>
+                              <p:par>
+                                <p:cTn id="31" presetID="1" presetClass="entr" presetSubtype="0" fill="hold" grpId="0" nodeType="withEffect">
+                                  <p:stCondLst>
+                                    <p:cond delay="0"/>
+                                  </p:stCondLst>
+                                  <p:childTnLst>
+                                    <p:set>
+                                      <p:cBhvr>
+                                        <p:cTn id="32" dur="1" fill="hold">
+                                          <p:stCondLst>
+                                            <p:cond delay="0"/>
+                                          </p:stCondLst>
+                                        </p:cTn>
+                                        <p:tgtEl>
+                                          <p:spTgt spid="18"/>
+                                        </p:tgtEl>
+                                        <p:attrNameLst>
+                                          <p:attrName>style.visibility</p:attrName>
+                                        </p:attrNameLst>
+                                      </p:cBhvr>
+                                      <p:to>
+                                        <p:strVal val="visible"/>
+                                      </p:to>
+                                    </p:set>
+                                  </p:childTnLst>
+                                </p:cTn>
+                              </p:par>
+                              <p:par>
+                                <p:cTn id="33" presetID="1" presetClass="entr" presetSubtype="0" fill="hold" grpId="0" nodeType="withEffect">
+                                  <p:stCondLst>
+                                    <p:cond delay="0"/>
+                                  </p:stCondLst>
+                                  <p:childTnLst>
+                                    <p:set>
+                                      <p:cBhvr>
+                                        <p:cTn id="34" dur="1" fill="hold">
+                                          <p:stCondLst>
+                                            <p:cond delay="0"/>
+                                          </p:stCondLst>
+                                        </p:cTn>
+                                        <p:tgtEl>
                                           <p:spTgt spid="15"/>
                                         </p:tgtEl>
                                         <p:attrNameLst>
@@ -14923,26 +15253,26 @@
                     </p:cTn>
                   </p:par>
                   <p:par>
-                    <p:cTn id="29" fill="hold">
+                    <p:cTn id="35" fill="hold">
                       <p:stCondLst>
                         <p:cond delay="indefinite"/>
                       </p:stCondLst>
                       <p:childTnLst>
                         <p:par>
-                          <p:cTn id="30" fill="hold">
+                          <p:cTn id="36" fill="hold">
                             <p:stCondLst>
                               <p:cond delay="0"/>
                             </p:stCondLst>
                             <p:childTnLst>
                               <p:par>
-                                <p:cTn id="31" presetID="1" presetClass="entr" presetSubtype="0" fill="hold" grpId="0" nodeType="clickEffect">
+                                <p:cTn id="37" presetID="1" presetClass="entr" presetSubtype="0" fill="hold" grpId="0" nodeType="clickEffect">
                                   <p:stCondLst>
                                     <p:cond delay="0"/>
                                   </p:stCondLst>
                                   <p:childTnLst>
                                     <p:set>
                                       <p:cBhvr>
-                                        <p:cTn id="32" dur="1" fill="hold">
+                                        <p:cTn id="38" dur="1" fill="hold">
                                           <p:stCondLst>
                                             <p:cond delay="0"/>
                                           </p:stCondLst>
@@ -14968,26 +15298,26 @@
                     </p:cTn>
                   </p:par>
                   <p:par>
-                    <p:cTn id="33" fill="hold">
+                    <p:cTn id="39" fill="hold">
                       <p:stCondLst>
                         <p:cond delay="indefinite"/>
                       </p:stCondLst>
                       <p:childTnLst>
                         <p:par>
-                          <p:cTn id="34" fill="hold">
+                          <p:cTn id="40" fill="hold">
                             <p:stCondLst>
                               <p:cond delay="0"/>
                             </p:stCondLst>
                             <p:childTnLst>
                               <p:par>
-                                <p:cTn id="35" presetID="1" presetClass="entr" presetSubtype="0" fill="hold" nodeType="clickEffect">
+                                <p:cTn id="41" presetID="1" presetClass="entr" presetSubtype="0" fill="hold" nodeType="clickEffect">
                                   <p:stCondLst>
                                     <p:cond delay="0"/>
                                   </p:stCondLst>
                                   <p:childTnLst>
                                     <p:set>
                                       <p:cBhvr>
-                                        <p:cTn id="36" dur="1" fill="hold">
+                                        <p:cTn id="42" dur="1" fill="hold">
                                           <p:stCondLst>
                                             <p:cond delay="0"/>
                                           </p:stCondLst>
@@ -15043,6 +15373,9 @@
       <p:bldP spid="18" grpId="0" animBg="1"/>
       <p:bldP spid="19" grpId="0" animBg="1"/>
       <p:bldP spid="15" grpId="0" animBg="1"/>
+      <p:bldP spid="6" grpId="0" animBg="1"/>
+      <p:bldP spid="10" grpId="0" animBg="1"/>
+      <p:bldP spid="13" grpId="0" animBg="1"/>
     </p:bldLst>
   </p:timing>
 </p:sld>
@@ -15082,7 +15415,15 @@
           <a:p>
             <a:r>
               <a:rPr lang="bg-BG" dirty="0"/>
-              <a:t>Чертаене на фигури - квадрат</a:t>
+              <a:t>Чертаене на фигури </a:t>
+            </a:r>
+            <a:r>
+              <a:rPr lang="en-US" dirty="0"/>
+              <a:t>–</a:t>
+            </a:r>
+            <a:r>
+              <a:rPr lang="bg-BG" dirty="0"/>
+              <a:t> квадрат</a:t>
             </a:r>
             <a:endParaRPr lang="en-US" dirty="0"/>
           </a:p>
@@ -15134,8 +15475,8 @@
         </p:blipFill>
         <p:spPr>
           <a:xfrm>
-            <a:off x="2894136" y="1563624"/>
-            <a:ext cx="6403728" cy="4987994"/>
+            <a:off x="2500794" y="1162594"/>
+            <a:ext cx="7311921" cy="5695405"/>
           </a:xfrm>
           <a:prstGeom prst="rect">
             <a:avLst/>
@@ -15160,13 +15501,6 @@
       <p:transition spd="slow" advClick="0" advTm="5000"/>
     </mc:Fallback>
   </mc:AlternateContent>
-  <p:timing>
-    <p:tnLst>
-      <p:par>
-        <p:cTn id="1" dur="indefinite" restart="never" nodeType="tmRoot"/>
-      </p:par>
-    </p:tnLst>
-  </p:timing>
 </p:sld>
 </file>
 
@@ -15787,7 +16121,7 @@
         <p:spPr>
           <a:xfrm>
             <a:off x="555258" y="1547936"/>
-            <a:ext cx="9476693" cy="3099310"/>
+            <a:ext cx="9476693" cy="3828036"/>
           </a:xfrm>
           <a:prstGeom prst="rect">
             <a:avLst/>
@@ -15816,7 +16150,7 @@
               <a:buChar char="§"/>
             </a:pPr>
             <a:r>
-              <a:rPr lang="bg-BG" sz="2900" b="1" dirty="0">
+              <a:rPr lang="bg-BG" sz="3400" b="1" dirty="0">
                 <a:solidFill>
                   <a:schemeClr val="bg1">
                     <a:lumMod val="60000"/>
@@ -15827,7 +16161,7 @@
               <a:t>Разширение</a:t>
             </a:r>
             <a:r>
-              <a:rPr lang="bg-BG" sz="2900" b="1" dirty="0">
+              <a:rPr lang="bg-BG" sz="3400" b="1" dirty="0">
                 <a:solidFill>
                   <a:schemeClr val="bg2"/>
                 </a:solidFill>
@@ -15835,7 +16169,7 @@
               <a:t> </a:t>
             </a:r>
             <a:r>
-              <a:rPr lang="bg-BG" sz="2900" dirty="0">
+              <a:rPr lang="bg-BG" sz="3400" dirty="0">
                 <a:solidFill>
                   <a:schemeClr val="bg2"/>
                 </a:solidFill>
@@ -15843,7 +16177,7 @@
               <a:t>–</a:t>
             </a:r>
             <a:r>
-              <a:rPr lang="en-US" sz="2900" dirty="0">
+              <a:rPr lang="en-US" sz="3400" dirty="0">
                 <a:solidFill>
                   <a:schemeClr val="bg2"/>
                 </a:solidFill>
@@ -15851,7 +16185,7 @@
               <a:t> </a:t>
             </a:r>
             <a:r>
-              <a:rPr lang="bg-BG" sz="2900" dirty="0">
+              <a:rPr lang="bg-BG" sz="3400" dirty="0">
                 <a:solidFill>
                   <a:schemeClr val="bg2"/>
                 </a:solidFill>
@@ -15859,13 +16193,42 @@
               <a:t>разширява </a:t>
             </a:r>
             <a:r>
-              <a:rPr lang="bg-BG" sz="2900" b="1" dirty="0">
+              <a:rPr lang="bg-BG" sz="3400" b="1" dirty="0">
                 <a:solidFill>
                   <a:schemeClr val="bg2"/>
                 </a:solidFill>
               </a:rPr>
               <a:t>функционалността</a:t>
             </a:r>
+            <a:r>
+              <a:rPr lang="en-US" sz="3400" b="1" dirty="0">
+                <a:solidFill>
+                  <a:schemeClr val="bg2"/>
+                </a:solidFill>
+              </a:rPr>
+              <a:t> </a:t>
+            </a:r>
+            <a:r>
+              <a:rPr lang="bg-BG" sz="3400" b="1" dirty="0">
+                <a:solidFill>
+                  <a:schemeClr val="bg2"/>
+                </a:solidFill>
+              </a:rPr>
+              <a:t>на </a:t>
+            </a:r>
+            <a:r>
+              <a:rPr lang="en-US" sz="3400" b="1" dirty="0">
+                <a:solidFill>
+                  <a:schemeClr val="bg2"/>
+                </a:solidFill>
+              </a:rPr>
+              <a:t>Scratch</a:t>
+            </a:r>
+            <a:endParaRPr lang="bg-BG" sz="3400" b="1" dirty="0">
+              <a:solidFill>
+                <a:schemeClr val="bg2"/>
+              </a:solidFill>
+            </a:endParaRPr>
           </a:p>
           <a:p>
             <a:pPr marL="456915" lvl="0" indent="-456915" defTabSz="1218438">
@@ -15885,7 +16248,7 @@
               <a:buChar char="§"/>
             </a:pPr>
             <a:r>
-              <a:rPr lang="bg-BG" sz="2900" b="1" dirty="0">
+              <a:rPr lang="bg-BG" sz="3400" b="1" dirty="0">
                 <a:solidFill>
                   <a:schemeClr val="bg1">
                     <a:lumMod val="60000"/>
@@ -15896,7 +16259,7 @@
               <a:t>Молив </a:t>
             </a:r>
             <a:r>
-              <a:rPr lang="bg-BG" sz="2900" dirty="0">
+              <a:rPr lang="bg-BG" sz="3400" dirty="0">
                 <a:solidFill>
                   <a:schemeClr val="bg2"/>
                 </a:solidFill>
@@ -15904,7 +16267,7 @@
               <a:t>– разширение за </a:t>
             </a:r>
             <a:r>
-              <a:rPr lang="bg-BG" sz="2900" b="1" dirty="0">
+              <a:rPr lang="bg-BG" sz="3400" b="1" dirty="0">
                 <a:solidFill>
                   <a:schemeClr val="bg2"/>
                 </a:solidFill>
@@ -15930,69 +16293,16 @@
               <a:buChar char="§"/>
             </a:pPr>
             <a:r>
-              <a:rPr lang="bg-BG" sz="3200" dirty="0">
+              <a:rPr lang="bg-BG" sz="3400" b="1" dirty="0">
                 <a:solidFill>
                   <a:schemeClr val="bg2"/>
                 </a:solidFill>
               </a:rPr>
-              <a:t>360/</a:t>
-            </a:r>
-            <a:r>
-              <a:rPr lang="en-US" sz="3200" dirty="0">
-                <a:solidFill>
-                  <a:schemeClr val="bg2"/>
-                </a:solidFill>
-              </a:rPr>
-              <a:t>n° (n </a:t>
-            </a:r>
-            <a:r>
-              <a:rPr lang="bg-BG" sz="3200" dirty="0">
-                <a:solidFill>
-                  <a:schemeClr val="bg2"/>
-                </a:solidFill>
-              </a:rPr>
-              <a:t>пъти)</a:t>
-            </a:r>
-            <a:r>
-              <a:rPr lang="en-US" sz="3200" dirty="0">
-                <a:solidFill>
-                  <a:schemeClr val="bg2"/>
-                </a:solidFill>
-              </a:rPr>
-              <a:t> </a:t>
-            </a:r>
-            <a:r>
-              <a:rPr lang="bg-BG" sz="3200" dirty="0">
-                <a:solidFill>
-                  <a:schemeClr val="bg2"/>
-                </a:solidFill>
-              </a:rPr>
-              <a:t>за създаване на </a:t>
-            </a:r>
-            <a:r>
-              <a:rPr lang="en-US" sz="3200" dirty="0">
-                <a:solidFill>
-                  <a:schemeClr val="bg2"/>
-                </a:solidFill>
-              </a:rPr>
-              <a:t>n-</a:t>
-            </a:r>
-            <a:r>
-              <a:rPr lang="bg-BG" sz="3200" dirty="0">
-                <a:solidFill>
-                  <a:schemeClr val="bg2"/>
-                </a:solidFill>
-              </a:rPr>
-              <a:t>ъгълник</a:t>
-            </a:r>
-            <a:endParaRPr lang="en-US" sz="3200" dirty="0">
-              <a:solidFill>
-                <a:schemeClr val="bg2"/>
-              </a:solidFill>
-            </a:endParaRPr>
-          </a:p>
-          <a:p>
-            <a:pPr marL="456915" lvl="0" indent="-456915" defTabSz="1218438">
+              <a:t>Чертаене на фигури</a:t>
+            </a:r>
+          </a:p>
+          <a:p>
+            <a:pPr marL="914115" lvl="1" indent="-456915" defTabSz="1218438">
               <a:lnSpc>
                 <a:spcPct val="105000"/>
               </a:lnSpc>
@@ -16008,30 +16318,63 @@
               <a:buFont typeface="Wingdings" panose="05000000000000000000" pitchFamily="2" charset="2"/>
               <a:buChar char="§"/>
             </a:pPr>
-            <a:endParaRPr lang="bg-BG" sz="2900" b="1" dirty="0">
-              <a:solidFill>
-                <a:schemeClr val="bg2"/>
-              </a:solidFill>
-            </a:endParaRPr>
-          </a:p>
-          <a:p>
-            <a:pPr marL="456915" lvl="0" indent="-456915" defTabSz="1218438">
-              <a:lnSpc>
-                <a:spcPct val="105000"/>
-              </a:lnSpc>
-              <a:spcBef>
-                <a:spcPts val="600"/>
-              </a:spcBef>
-              <a:spcAft>
-                <a:spcPts val="600"/>
-              </a:spcAft>
-              <a:buClr>
-                <a:schemeClr val="bg2"/>
-              </a:buClr>
-              <a:buFont typeface="Wingdings" panose="05000000000000000000" pitchFamily="2" charset="2"/>
-              <a:buChar char="§"/>
-            </a:pPr>
-            <a:endParaRPr lang="bg-BG" sz="2900" b="1" dirty="0">
+            <a:r>
+              <a:rPr lang="bg-BG" sz="3400" dirty="0">
+                <a:solidFill>
+                  <a:schemeClr val="bg2"/>
+                </a:solidFill>
+              </a:rPr>
+              <a:t>360/</a:t>
+            </a:r>
+            <a:r>
+              <a:rPr lang="en-US" sz="3400" dirty="0">
+                <a:solidFill>
+                  <a:schemeClr val="bg2"/>
+                </a:solidFill>
+              </a:rPr>
+              <a:t>n° (n </a:t>
+            </a:r>
+            <a:r>
+              <a:rPr lang="bg-BG" sz="3400" dirty="0">
+                <a:solidFill>
+                  <a:schemeClr val="bg2"/>
+                </a:solidFill>
+              </a:rPr>
+              <a:t>пъти)</a:t>
+            </a:r>
+            <a:r>
+              <a:rPr lang="en-US" sz="3400" dirty="0">
+                <a:solidFill>
+                  <a:schemeClr val="bg2"/>
+                </a:solidFill>
+              </a:rPr>
+              <a:t> </a:t>
+            </a:r>
+            <a:r>
+              <a:rPr lang="bg-BG" sz="3400" dirty="0">
+                <a:solidFill>
+                  <a:schemeClr val="bg2"/>
+                </a:solidFill>
+              </a:rPr>
+              <a:t>за създаване на </a:t>
+            </a:r>
+            <a:r>
+              <a:rPr lang="en-US" sz="3400" dirty="0">
+                <a:solidFill>
+                  <a:schemeClr val="bg2"/>
+                </a:solidFill>
+              </a:rPr>
+              <a:t>n-</a:t>
+            </a:r>
+            <a:r>
+              <a:rPr lang="bg-BG" sz="3400" dirty="0">
+                <a:solidFill>
+                  <a:schemeClr val="bg2"/>
+                </a:solidFill>
+              </a:rPr>
+              <a:t>ъгълник</a:t>
+            </a:r>
+            <a:endParaRPr lang="en-US" sz="3400" dirty="0">
               <a:solidFill>
                 <a:schemeClr val="bg2"/>
               </a:solidFill>
@@ -16143,6 +16486,37 @@
                                           <p:spTgt spid="3">
                                             <p:txEl>
                                               <p:pRg st="2" end="2"/>
+                                            </p:txEl>
+                                          </p:spTgt>
+                                        </p:tgtEl>
+                                        <p:attrNameLst>
+                                          <p:attrName>style.visibility</p:attrName>
+                                        </p:attrNameLst>
+                                      </p:cBhvr>
+                                      <p:to>
+                                        <p:strVal val="visible"/>
+                                      </p:to>
+                                    </p:set>
+                                  </p:childTnLst>
+                                </p:cTn>
+                              </p:par>
+                              <p:par>
+                                <p:cTn id="11" presetID="1" presetClass="entr" presetSubtype="0" fill="hold" nodeType="withEffect">
+                                  <p:stCondLst>
+                                    <p:cond delay="0"/>
+                                  </p:stCondLst>
+                                  <p:childTnLst>
+                                    <p:set>
+                                      <p:cBhvr>
+                                        <p:cTn id="12" dur="1" fill="hold">
+                                          <p:stCondLst>
+                                            <p:cond delay="0"/>
+                                          </p:stCondLst>
+                                        </p:cTn>
+                                        <p:tgtEl>
+                                          <p:spTgt spid="3">
+                                            <p:txEl>
+                                              <p:pRg st="3" end="3"/>
                                             </p:txEl>
                                           </p:spTgt>
                                         </p:tgtEl>
@@ -17012,16 +17386,12 @@
               </a:buClr>
             </a:pPr>
             <a:r>
-              <a:rPr lang="bg-BG" sz="3000" dirty="0" smtClean="0"/>
+              <a:rPr lang="bg-BG" sz="3000" dirty="0"/>
               <a:t>Разширява </a:t>
             </a:r>
             <a:r>
-              <a:rPr lang="ru-RU" sz="3000" dirty="0" smtClean="0"/>
-              <a:t>обхвата </a:t>
-            </a:r>
-            <a:r>
               <a:rPr lang="ru-RU" sz="3000" dirty="0"/>
-              <a:t>на </a:t>
+              <a:t>обхвата на </a:t>
             </a:r>
             <a:r>
               <a:rPr lang="ru-RU" sz="3000" b="1" dirty="0"/>
@@ -17206,7 +17576,7 @@
                                         <p:tgtEl>
                                           <p:spTgt spid="6">
                                             <p:txEl>
-                                              <p:pRg st="2" end="2"/>
+                                              <p:pRg st="1" end="1"/>
                                             </p:txEl>
                                           </p:spTgt>
                                         </p:tgtEl>
@@ -17248,6 +17618,55 @@
                                     <p:set>
                                       <p:cBhvr>
                                         <p:cTn id="10" dur="1" fill="hold">
+                                          <p:stCondLst>
+                                            <p:cond delay="0"/>
+                                          </p:stCondLst>
+                                        </p:cTn>
+                                        <p:tgtEl>
+                                          <p:spTgt spid="6">
+                                            <p:txEl>
+                                              <p:pRg st="2" end="2"/>
+                                            </p:txEl>
+                                          </p:spTgt>
+                                        </p:tgtEl>
+                                        <p:attrNameLst>
+                                          <p:attrName>style.visibility</p:attrName>
+                                        </p:attrNameLst>
+                                      </p:cBhvr>
+                                      <p:to>
+                                        <p:strVal val="visible"/>
+                                      </p:to>
+                                    </p:set>
+                                  </p:childTnLst>
+                                </p:cTn>
+                              </p:par>
+                            </p:childTnLst>
+                          </p:cTn>
+                        </p:par>
+                      </p:childTnLst>
+                    </p:cTn>
+                  </p:par>
+                  <p:par>
+                    <p:cTn id="11" fill="hold">
+                      <p:stCondLst>
+                        <p:cond delay="indefinite"/>
+                      </p:stCondLst>
+                      <p:childTnLst>
+                        <p:par>
+                          <p:cTn id="12" fill="hold">
+                            <p:stCondLst>
+                              <p:cond delay="0"/>
+                            </p:stCondLst>
+                            <p:childTnLst>
+                              <p:par>
+                                <p:cTn id="13" presetID="1" presetClass="entr" presetSubtype="0" fill="hold" nodeType="clickEffect">
+                                  <p:stCondLst>
+                                    <p:cond delay="0"/>
+                                  </p:stCondLst>
+                                  <p:childTnLst>
+                                    <p:set>
+                                      <p:cBhvr>
+                                        <p:cTn id="14" dur="1" fill="hold">
                                           <p:stCondLst>
                                             <p:cond delay="0"/>
                                           </p:stCondLst>
@@ -17435,8 +17854,8 @@
         </p:blipFill>
         <p:spPr>
           <a:xfrm>
-            <a:off x="1102448" y="1296359"/>
-            <a:ext cx="9987105" cy="5409682"/>
+            <a:off x="766301" y="1111215"/>
+            <a:ext cx="10585322" cy="5733722"/>
           </a:xfrm>
           <a:prstGeom prst="rect">
             <a:avLst/>
@@ -17794,7 +18213,7 @@
         </p:nvSpPr>
         <p:spPr bwMode="auto">
           <a:xfrm>
-            <a:off x="3101871" y="4559439"/>
+            <a:off x="2688201" y="4768444"/>
             <a:ext cx="4510454" cy="1116623"/>
           </a:xfrm>
           <a:prstGeom prst="wedgeRoundRectCallout">
@@ -18014,8 +18433,8 @@
         </p:blipFill>
         <p:spPr>
           <a:xfrm>
-            <a:off x="1102448" y="1296360"/>
-            <a:ext cx="9987105" cy="5409682"/>
+            <a:off x="790470" y="1110343"/>
+            <a:ext cx="10611059" cy="5747657"/>
           </a:xfrm>
           <a:prstGeom prst="rect">
             <a:avLst/>
@@ -18084,8 +18503,8 @@
         </p:nvSpPr>
         <p:spPr bwMode="auto">
           <a:xfrm>
-            <a:off x="5122811" y="4150789"/>
-            <a:ext cx="3965331" cy="975946"/>
+            <a:off x="4574171" y="4333669"/>
+            <a:ext cx="3965331" cy="1113542"/>
           </a:xfrm>
           <a:prstGeom prst="wedgeRoundRectCallout">
             <a:avLst>
@@ -18297,8 +18716,8 @@
         </p:blipFill>
         <p:spPr>
           <a:xfrm>
-            <a:off x="1102448" y="1296360"/>
-            <a:ext cx="9987105" cy="5409682"/>
+            <a:off x="785423" y="1104875"/>
+            <a:ext cx="10621153" cy="5753125"/>
           </a:xfrm>
           <a:prstGeom prst="rect">
             <a:avLst/>
@@ -18367,7 +18786,7 @@
         </p:nvSpPr>
         <p:spPr bwMode="auto">
           <a:xfrm>
-            <a:off x="4035669" y="3613637"/>
+            <a:off x="3565406" y="3822643"/>
             <a:ext cx="4273062" cy="1468315"/>
           </a:xfrm>
           <a:prstGeom prst="wedgeRoundRectCallout">
@@ -18694,13 +19113,6 @@
       <p:transition spd="slow" advClick="0" advTm="5000"/>
     </mc:Fallback>
   </mc:AlternateContent>
-  <p:timing>
-    <p:tnLst>
-      <p:par>
-        <p:cTn id="1" dur="indefinite" restart="never" nodeType="tmRoot"/>
-      </p:par>
-    </p:tnLst>
-  </p:timing>
 </p:sld>
 </file>
 

--- a/Courses/Computer-Modeling-and-IT/Computer-Modeling-and-IT-5-Class/18-Drawing-Figures/18-Drawing-Figures.pptx
+++ b/Courses/Computer-Modeling-and-IT/Computer-Modeling-and-IT-5-Class/18-Drawing-Figures/18-Drawing-Figures.pptx
@@ -579,7 +579,7 @@
           <a:p>
             <a:fld id="{4E087215-0C8F-4762-A664-737A353EC9A4}" type="datetimeFigureOut">
               <a:rPr lang="bg-BG" smtClean="0"/>
-              <a:t>13.01.24 г.</a:t>
+              <a:t>17.01.24 г.</a:t>
             </a:fld>
             <a:endParaRPr lang="bg-BG"/>
           </a:p>
@@ -756,7 +756,7 @@
           <a:p>
             <a:fld id="{72D84649-876A-46C9-8472-14CB09C070D8}" type="datetimeFigureOut">
               <a:rPr lang="en-US" smtClean="0"/>
-              <a:t>1/13/24</a:t>
+              <a:t>1/17/24</a:t>
             </a:fld>
             <a:endParaRPr lang="en-US"/>
           </a:p>
@@ -3026,7 +3026,7 @@
             <a:fld id="{055373AC-9AA7-423B-BA00-BA1C74164DBD}" type="datetime1">
               <a:rPr lang="en-US" smtClean="0"/>
               <a:pPr/>
-              <a:t>1/13/24</a:t>
+              <a:t>1/17/24</a:t>
             </a:fld>
             <a:endParaRPr lang="en-US" dirty="0"/>
           </a:p>
@@ -3705,7 +3705,7 @@
             <a:fld id="{055373AC-9AA7-423B-BA00-BA1C74164DBD}" type="datetime1">
               <a:rPr lang="en-US" smtClean="0"/>
               <a:pPr/>
-              <a:t>1/13/24</a:t>
+              <a:t>1/17/24</a:t>
             </a:fld>
             <a:endParaRPr lang="en-US" dirty="0"/>
           </a:p>
@@ -4464,7 +4464,7 @@
             <a:fld id="{055373AC-9AA7-423B-BA00-BA1C74164DBD}" type="datetime1">
               <a:rPr lang="en-US" smtClean="0"/>
               <a:pPr/>
-              <a:t>1/13/24</a:t>
+              <a:t>1/17/24</a:t>
             </a:fld>
             <a:endParaRPr lang="en-US" dirty="0"/>
           </a:p>
@@ -4959,7 +4959,7 @@
             <a:fld id="{055373AC-9AA7-423B-BA00-BA1C74164DBD}" type="datetime1">
               <a:rPr lang="en-US" smtClean="0"/>
               <a:pPr/>
-              <a:t>1/13/24</a:t>
+              <a:t>1/17/24</a:t>
             </a:fld>
             <a:endParaRPr lang="en-US" dirty="0"/>
           </a:p>
@@ -7069,7 +7069,7 @@
             <a:fld id="{055373AC-9AA7-423B-BA00-BA1C74164DBD}" type="datetime1">
               <a:rPr lang="en-US" smtClean="0"/>
               <a:pPr/>
-              <a:t>1/13/24</a:t>
+              <a:t>1/17/24</a:t>
             </a:fld>
             <a:endParaRPr lang="en-US" dirty="0"/>
           </a:p>
@@ -8408,7 +8408,7 @@
             <a:fld id="{055373AC-9AA7-423B-BA00-BA1C74164DBD}" type="datetime1">
               <a:rPr lang="en-US" smtClean="0"/>
               <a:pPr/>
-              <a:t>1/13/24</a:t>
+              <a:t>1/17/24</a:t>
             </a:fld>
             <a:endParaRPr lang="en-US" dirty="0"/>
           </a:p>
@@ -9488,7 +9488,7 @@
             <a:fld id="{055373AC-9AA7-423B-BA00-BA1C74164DBD}" type="datetime1">
               <a:rPr lang="en-US" smtClean="0"/>
               <a:pPr/>
-              <a:t>1/13/24</a:t>
+              <a:t>1/17/24</a:t>
             </a:fld>
             <a:endParaRPr lang="en-US" dirty="0"/>
           </a:p>
@@ -9900,7 +9900,7 @@
             <a:fld id="{055373AC-9AA7-423B-BA00-BA1C74164DBD}" type="datetime1">
               <a:rPr lang="en-US" smtClean="0"/>
               <a:pPr/>
-              <a:t>1/13/24</a:t>
+              <a:t>1/17/24</a:t>
             </a:fld>
             <a:endParaRPr lang="en-US" dirty="0"/>
           </a:p>
@@ -10270,7 +10270,7 @@
             <a:fld id="{055373AC-9AA7-423B-BA00-BA1C74164DBD}" type="datetime1">
               <a:rPr lang="en-US" smtClean="0"/>
               <a:pPr/>
-              <a:t>1/13/24</a:t>
+              <a:t>1/17/24</a:t>
             </a:fld>
             <a:endParaRPr lang="en-US" dirty="0"/>
           </a:p>
@@ -10938,7 +10938,7 @@
             <a:fld id="{055373AC-9AA7-423B-BA00-BA1C74164DBD}" type="datetime1">
               <a:rPr lang="en-US" smtClean="0"/>
               <a:pPr/>
-              <a:t>1/13/24</a:t>
+              <a:t>1/17/24</a:t>
             </a:fld>
             <a:endParaRPr lang="en-US" dirty="0"/>
           </a:p>
@@ -11146,7 +11146,7 @@
             <a:fld id="{055373AC-9AA7-423B-BA00-BA1C74164DBD}" type="datetime1">
               <a:rPr lang="en-US" smtClean="0"/>
               <a:pPr/>
-              <a:t>1/13/24</a:t>
+              <a:t>1/17/24</a:t>
             </a:fld>
             <a:endParaRPr lang="en-US" dirty="0"/>
           </a:p>
@@ -17847,15 +17847,20 @@
           <p:nvPr/>
         </p:nvPicPr>
         <p:blipFill>
-          <a:blip r:embed="rId3"/>
-          <a:stretch>
-            <a:fillRect/>
-          </a:stretch>
+          <a:blip r:embed="rId3">
+            <a:extLst>
+              <a:ext uri="{28A0092B-C50C-407E-A947-70E740481C1C}">
+                <a14:useLocalDpi xmlns:a14="http://schemas.microsoft.com/office/drawing/2010/main" val="0"/>
+              </a:ext>
+            </a:extLst>
+          </a:blip>
+          <a:srcRect/>
+          <a:stretch/>
         </p:blipFill>
         <p:spPr>
           <a:xfrm>
-            <a:off x="766301" y="1111215"/>
-            <a:ext cx="10585322" cy="5733722"/>
+            <a:off x="1819145" y="1246254"/>
+            <a:ext cx="8553709" cy="5449223"/>
           </a:xfrm>
           <a:prstGeom prst="rect">
             <a:avLst/>
@@ -18213,7 +18218,7 @@
         </p:nvSpPr>
         <p:spPr bwMode="auto">
           <a:xfrm>
-            <a:off x="2688201" y="4768444"/>
+            <a:off x="3718214" y="4610789"/>
             <a:ext cx="4510454" cy="1116623"/>
           </a:xfrm>
           <a:prstGeom prst="wedgeRoundRectCallout">
@@ -18426,15 +18431,20 @@
           <p:nvPr/>
         </p:nvPicPr>
         <p:blipFill>
-          <a:blip r:embed="rId2"/>
-          <a:stretch>
-            <a:fillRect/>
-          </a:stretch>
+          <a:blip r:embed="rId2">
+            <a:extLst>
+              <a:ext uri="{28A0092B-C50C-407E-A947-70E740481C1C}">
+                <a14:useLocalDpi xmlns:a14="http://schemas.microsoft.com/office/drawing/2010/main" val="0"/>
+              </a:ext>
+            </a:extLst>
+          </a:blip>
+          <a:srcRect/>
+          <a:stretch/>
         </p:blipFill>
         <p:spPr>
           <a:xfrm>
-            <a:off x="790470" y="1110343"/>
-            <a:ext cx="10611059" cy="5747657"/>
+            <a:off x="1865300" y="1198179"/>
+            <a:ext cx="8461400" cy="5430095"/>
           </a:xfrm>
           <a:prstGeom prst="rect">
             <a:avLst/>
@@ -18503,7 +18513,7 @@
         </p:nvSpPr>
         <p:spPr bwMode="auto">
           <a:xfrm>
-            <a:off x="4574171" y="4333669"/>
+            <a:off x="4998560" y="4039379"/>
             <a:ext cx="3965331" cy="1113542"/>
           </a:xfrm>
           <a:prstGeom prst="wedgeRoundRectCallout">
@@ -18709,15 +18719,20 @@
           <p:nvPr/>
         </p:nvPicPr>
         <p:blipFill>
-          <a:blip r:embed="rId2"/>
-          <a:stretch>
-            <a:fillRect/>
-          </a:stretch>
+          <a:blip r:embed="rId2">
+            <a:extLst>
+              <a:ext uri="{28A0092B-C50C-407E-A947-70E740481C1C}">
+                <a14:useLocalDpi xmlns:a14="http://schemas.microsoft.com/office/drawing/2010/main" val="0"/>
+              </a:ext>
+            </a:extLst>
+          </a:blip>
+          <a:srcRect/>
+          <a:stretch/>
         </p:blipFill>
         <p:spPr>
           <a:xfrm>
-            <a:off x="785423" y="1104875"/>
-            <a:ext cx="10621153" cy="5753125"/>
+            <a:off x="1859630" y="1178448"/>
+            <a:ext cx="8472739" cy="5453580"/>
           </a:xfrm>
           <a:prstGeom prst="rect">
             <a:avLst/>
@@ -18786,7 +18801,7 @@
         </p:nvSpPr>
         <p:spPr bwMode="auto">
           <a:xfrm>
-            <a:off x="3565406" y="3822643"/>
+            <a:off x="4658482" y="4085402"/>
             <a:ext cx="4273062" cy="1468315"/>
           </a:xfrm>
           <a:prstGeom prst="wedgeRoundRectCallout">

--- a/Courses/Computer-Modeling-and-IT/Computer-Modeling-and-IT-5-Class/18-Drawing-Figures/18-Drawing-Figures.pptx
+++ b/Courses/Computer-Modeling-and-IT/Computer-Modeling-and-IT-5-Class/18-Drawing-Figures/18-Drawing-Figures.pptx
@@ -281,7 +281,7 @@
           <a:p>
             <a:fld id="{4E087215-0C8F-4762-A664-737A353EC9A4}" type="datetimeFigureOut">
               <a:rPr lang="bg-BG" smtClean="0"/>
-              <a:t>19.2.2024 г.</a:t>
+              <a:t>23.2.2024 г.</a:t>
             </a:fld>
             <a:endParaRPr lang="bg-BG"/>
           </a:p>
@@ -477,7 +477,7 @@
           <a:p>
             <a:fld id="{72D84649-876A-46C9-8472-14CB09C070D8}" type="datetimeFigureOut">
               <a:rPr lang="en-US" smtClean="0"/>
-              <a:t>2/19/2024</a:t>
+              <a:t>2/23/2024</a:t>
             </a:fld>
             <a:endParaRPr lang="en-US"/>
           </a:p>
@@ -7092,6 +7092,36 @@
           </a:p>
         </p:txBody>
       </p:sp>
+      <p:pic>
+        <p:nvPicPr>
+          <p:cNvPr id="5" name="Picture 4"/>
+          <p:cNvPicPr>
+            <a:picLocks noChangeAspect="1"/>
+          </p:cNvPicPr>
+          <p:nvPr/>
+        </p:nvPicPr>
+        <p:blipFill>
+          <a:blip r:embed="rId5">
+            <a:extLst>
+              <a:ext uri="{28A0092B-C50C-407E-A947-70E740481C1C}">
+                <a14:useLocalDpi xmlns:a14="http://schemas.microsoft.com/office/drawing/2010/main" val="0"/>
+              </a:ext>
+            </a:extLst>
+          </a:blip>
+          <a:stretch>
+            <a:fillRect/>
+          </a:stretch>
+        </p:blipFill>
+        <p:spPr>
+          <a:xfrm>
+            <a:off x="534045" y="3012277"/>
+            <a:ext cx="2129447" cy="953007"/>
+          </a:xfrm>
+          <a:prstGeom prst="rect">
+            <a:avLst/>
+          </a:prstGeom>
+        </p:spPr>
+      </p:pic>
     </p:spTree>
     <p:extLst>
       <p:ext uri="{BB962C8B-B14F-4D97-AF65-F5344CB8AC3E}">
@@ -7694,7 +7724,7 @@
             <a:fld id="{2BF067CD-8E6B-4360-9AA8-C5DF2A48A6D1}" type="slidenum">
               <a:rPr lang="en-US" noProof="0" smtClean="0"/>
               <a:pPr/>
-              <a:t>‹#›</a:t>
+              <a:t>10</a:t>
             </a:fld>
             <a:endParaRPr lang="en-US" noProof="0" dirty="0"/>
           </a:p>
@@ -8929,7 +8959,7 @@
             <a:fld id="{2BF067CD-8E6B-4360-9AA8-C5DF2A48A6D1}" type="slidenum">
               <a:rPr lang="en-US" noProof="0" smtClean="0"/>
               <a:pPr/>
-              <a:t>‹#›</a:t>
+              <a:t>11</a:t>
             </a:fld>
             <a:endParaRPr lang="en-US" noProof="0" dirty="0"/>
           </a:p>
@@ -10071,7 +10101,7 @@
             <a:fld id="{2BF067CD-8E6B-4360-9AA8-C5DF2A48A6D1}" type="slidenum">
               <a:rPr lang="en-US" noProof="0" smtClean="0"/>
               <a:pPr/>
-              <a:t>‹#›</a:t>
+              <a:t>12</a:t>
             </a:fld>
             <a:endParaRPr lang="en-US" noProof="0" dirty="0"/>
           </a:p>
@@ -11897,7 +11927,7 @@
                 <a:hlinkClick r:id="rId3">
                   <a:extLst>
                     <a:ext uri="{A12FA001-AC4F-418D-AE19-62706E023703}">
-                      <ahyp:hlinkClr xmlns:ahyp="http://schemas.microsoft.com/office/drawing/2018/hyperlinkcolor" xmlns="" val="tx"/>
+                      <ahyp:hlinkClr xmlns="" xmlns:ahyp="http://schemas.microsoft.com/office/drawing/2018/hyperlinkcolor" val="tx"/>
                     </a:ext>
                   </a:extLst>
                 </a:hlinkClick>
@@ -12557,7 +12587,7 @@
             <a:fld id="{2BF067CD-8E6B-4360-9AA8-C5DF2A48A6D1}" type="slidenum">
               <a:rPr lang="en-US" noProof="0" smtClean="0"/>
               <a:pPr/>
-              <a:t>‹#›</a:t>
+              <a:t>2</a:t>
             </a:fld>
             <a:endParaRPr lang="en-US" noProof="0" dirty="0"/>
           </a:p>
@@ -13070,7 +13100,7 @@
             <a:fld id="{2BF067CD-8E6B-4360-9AA8-C5DF2A48A6D1}" type="slidenum">
               <a:rPr lang="en-US" noProof="0" smtClean="0"/>
               <a:pPr/>
-              <a:t>‹#›</a:t>
+              <a:t>4</a:t>
             </a:fld>
             <a:endParaRPr lang="en-US" noProof="0" dirty="0"/>
           </a:p>
@@ -13863,7 +13893,7 @@
             <a:fld id="{2BF067CD-8E6B-4360-9AA8-C5DF2A48A6D1}" type="slidenum">
               <a:rPr lang="en-US" noProof="0" smtClean="0"/>
               <a:pPr/>
-              <a:t>‹#›</a:t>
+              <a:t>6</a:t>
             </a:fld>
             <a:endParaRPr lang="en-US" noProof="0" dirty="0"/>
           </a:p>
@@ -14169,7 +14199,7 @@
             <a:fld id="{2BF067CD-8E6B-4360-9AA8-C5DF2A48A6D1}" type="slidenum">
               <a:rPr lang="en-US" noProof="0" smtClean="0"/>
               <a:pPr/>
-              <a:t>‹#›</a:t>
+              <a:t>7</a:t>
             </a:fld>
             <a:endParaRPr lang="en-US" noProof="0" dirty="0"/>
           </a:p>
@@ -14475,7 +14505,7 @@
             <a:fld id="{2BF067CD-8E6B-4360-9AA8-C5DF2A48A6D1}" type="slidenum">
               <a:rPr lang="en-US" noProof="0" smtClean="0"/>
               <a:pPr/>
-              <a:t>‹#›</a:t>
+              <a:t>8</a:t>
             </a:fld>
             <a:endParaRPr lang="en-US" noProof="0" dirty="0"/>
           </a:p>

--- a/Courses/Computer-Modeling-and-IT/Computer-Modeling-and-IT-5-Class/18-Drawing-Figures/18-Drawing-Figures.pptx
+++ b/Courses/Computer-Modeling-and-IT/Computer-Modeling-and-IT-5-Class/18-Drawing-Figures/18-Drawing-Figures.pptx
@@ -281,7 +281,7 @@
           <a:p>
             <a:fld id="{4E087215-0C8F-4762-A664-737A353EC9A4}" type="datetimeFigureOut">
               <a:rPr lang="bg-BG" smtClean="0"/>
-              <a:t>23.2.2024 г.</a:t>
+              <a:t>27.02.24 г.</a:t>
             </a:fld>
             <a:endParaRPr lang="bg-BG"/>
           </a:p>
@@ -477,7 +477,7 @@
           <a:p>
             <a:fld id="{72D84649-876A-46C9-8472-14CB09C070D8}" type="datetimeFigureOut">
               <a:rPr lang="en-US" smtClean="0"/>
-              <a:t>2/23/2024</a:t>
+              <a:t>2/27/24</a:t>
             </a:fld>
             <a:endParaRPr lang="en-US"/>
           </a:p>
@@ -7114,8 +7114,8 @@
         </p:blipFill>
         <p:spPr>
           <a:xfrm>
-            <a:off x="534045" y="3012277"/>
-            <a:ext cx="2129447" cy="953007"/>
+            <a:off x="534045" y="3067097"/>
+            <a:ext cx="2006955" cy="898187"/>
           </a:xfrm>
           <a:prstGeom prst="rect">
             <a:avLst/>
@@ -8983,13 +8983,6 @@
       <p:transition spd="slow" advClick="0" advTm="5000"/>
     </mc:Fallback>
   </mc:AlternateContent>
-  <p:timing>
-    <p:tnLst>
-      <p:par>
-        <p:cTn id="1" dur="indefinite" restart="never" nodeType="tmRoot"/>
-      </p:par>
-    </p:tnLst>
-  </p:timing>
 </p:sld>
 </file>
 
@@ -10745,13 +10738,6 @@
       <p:transition spd="slow" advClick="0" advTm="5000"/>
     </mc:Fallback>
   </mc:AlternateContent>
-  <p:timing>
-    <p:tnLst>
-      <p:par>
-        <p:cTn id="1" dur="indefinite" restart="never" nodeType="tmRoot"/>
-      </p:par>
-    </p:tnLst>
-  </p:timing>
 </p:sld>
 </file>
 
@@ -11927,7 +11913,7 @@
                 <a:hlinkClick r:id="rId3">
                   <a:extLst>
                     <a:ext uri="{A12FA001-AC4F-418D-AE19-62706E023703}">
-                      <ahyp:hlinkClr xmlns="" xmlns:ahyp="http://schemas.microsoft.com/office/drawing/2018/hyperlinkcolor" val="tx"/>
+                      <ahyp:hlinkClr xmlns:ahyp="http://schemas.microsoft.com/office/drawing/2018/hyperlinkcolor" val="tx"/>
                     </a:ext>
                   </a:extLst>
                 </a:hlinkClick>
@@ -12000,13 +11986,6 @@
       <p:transition spd="slow" advClick="0" advTm="5000"/>
     </mc:Fallback>
   </mc:AlternateContent>
-  <p:timing>
-    <p:tnLst>
-      <p:par>
-        <p:cTn id="1" dur="indefinite" restart="never" nodeType="tmRoot"/>
-      </p:par>
-    </p:tnLst>
-  </p:timing>
 </p:sld>
 </file>
 
@@ -12390,13 +12369,6 @@
       <p:transition spd="slow" advClick="0" advTm="5000"/>
     </mc:Fallback>
   </mc:AlternateContent>
-  <p:timing>
-    <p:tnLst>
-      <p:par>
-        <p:cTn id="1" dur="indefinite" restart="never" nodeType="tmRoot"/>
-      </p:par>
-    </p:tnLst>
-  </p:timing>
 </p:sld>
 </file>
 
@@ -12775,7 +12747,7 @@
           <a:lstStyle/>
           <a:p>
             <a:r>
-              <a:rPr lang="bg-BG" smtClean="0"/>
+              <a:rPr lang="bg-BG"/>
               <a:t>Какво е разширение?</a:t>
             </a:r>
             <a:endParaRPr lang="en-US"/>
@@ -12828,7 +12800,7 @@
           <a:lstStyle/>
           <a:p>
             <a:r>
-              <a:rPr lang="bg-BG" smtClean="0"/>
+              <a:rPr lang="bg-BG"/>
               <a:t>Добавяне на функционалност</a:t>
             </a:r>
             <a:endParaRPr lang="en-US"/>
@@ -12853,13 +12825,6 @@
       <p:transition spd="slow" advClick="0" advTm="5000"/>
     </mc:Fallback>
   </mc:AlternateContent>
-  <p:timing>
-    <p:tnLst>
-      <p:par>
-        <p:cTn id="1" dur="indefinite" restart="never" nodeType="tmRoot"/>
-      </p:par>
-    </p:tnLst>
-  </p:timing>
 </p:sld>
 </file>
 
@@ -13337,7 +13302,7 @@
           <a:lstStyle/>
           <a:p>
             <a:r>
-              <a:rPr lang="bg-BG" smtClean="0"/>
+              <a:rPr lang="bg-BG"/>
               <a:t>Добавяне на разширения</a:t>
             </a:r>
             <a:endParaRPr lang="en-US"/>
@@ -13392,13 +13357,6 @@
       <p:transition spd="slow" advClick="0" advTm="5000"/>
     </mc:Fallback>
   </mc:AlternateContent>
-  <p:timing>
-    <p:tnLst>
-      <p:par>
-        <p:cTn id="1" dur="indefinite" restart="never" nodeType="tmRoot"/>
-      </p:par>
-    </p:tnLst>
-  </p:timing>
 </p:sld>
 </file>
 
@@ -14388,7 +14346,7 @@
         </p:nvSpPr>
         <p:spPr bwMode="auto">
           <a:xfrm>
-            <a:off x="4521000" y="4104000"/>
+            <a:off x="4341000" y="4104000"/>
             <a:ext cx="4273062" cy="1468315"/>
           </a:xfrm>
           <a:prstGeom prst="wedgeRoundRectCallout">
@@ -14643,7 +14601,7 @@
           <a:lstStyle/>
           <a:p>
             <a:r>
-              <a:rPr lang="bg-BG" smtClean="0"/>
+              <a:rPr lang="bg-BG"/>
               <a:t>Чертаене на фигури</a:t>
             </a:r>
             <a:endParaRPr lang="en-US"/>
@@ -14703,7 +14661,7 @@
           <a:lstStyle/>
           <a:p>
             <a:r>
-              <a:rPr lang="bg-BG" smtClean="0"/>
+              <a:rPr lang="bg-BG"/>
               <a:t>Основни елементи</a:t>
             </a:r>
             <a:endParaRPr lang="en-US"/>
@@ -14728,13 +14686,6 @@
       <p:transition spd="slow" advClick="0" advTm="5000"/>
     </mc:Fallback>
   </mc:AlternateContent>
-  <p:timing>
-    <p:tnLst>
-      <p:par>
-        <p:cTn id="1" dur="indefinite" restart="never" nodeType="tmRoot"/>
-      </p:par>
-    </p:tnLst>
-  </p:timing>
 </p:sld>
 </file>
 

--- a/Courses/Computer-Modeling-and-IT/Computer-Modeling-and-IT-5-Class/18-Drawing-Figures/18-Drawing-Figures.pptx
+++ b/Courses/Computer-Modeling-and-IT/Computer-Modeling-and-IT-5-Class/18-Drawing-Figures/18-Drawing-Figures.pptx
@@ -281,7 +281,7 @@
           <a:p>
             <a:fld id="{4E087215-0C8F-4762-A664-737A353EC9A4}" type="datetimeFigureOut">
               <a:rPr lang="bg-BG" smtClean="0"/>
-              <a:t>27.02.24 г.</a:t>
+              <a:t>17.12.2024 г.</a:t>
             </a:fld>
             <a:endParaRPr lang="bg-BG"/>
           </a:p>
@@ -477,7 +477,7 @@
           <a:p>
             <a:fld id="{72D84649-876A-46C9-8472-14CB09C070D8}" type="datetimeFigureOut">
               <a:rPr lang="en-US" smtClean="0"/>
-              <a:t>2/27/24</a:t>
+              <a:t>12/17/2024</a:t>
             </a:fld>
             <a:endParaRPr lang="en-US"/>
           </a:p>
@@ -11990,7 +11990,7 @@
 </file>
 
 <file path=ppt/slides/slide16.xml><?xml version="1.0" encoding="utf-8"?>
-<p:sld xmlns:a="http://schemas.openxmlformats.org/drawingml/2006/main" xmlns:r="http://schemas.openxmlformats.org/officeDocument/2006/relationships" xmlns:p="http://schemas.openxmlformats.org/presentationml/2006/main">
+<p:sld xmlns:a="http://schemas.openxmlformats.org/drawingml/2006/main" xmlns:r="http://schemas.openxmlformats.org/officeDocument/2006/relationships" xmlns:p="http://schemas.openxmlformats.org/presentationml/2006/main" show="0">
   <p:cSld>
     <p:spTree>
       <p:nvGrpSpPr>
@@ -12361,11 +12361,11 @@
   <p:clrMapOvr>
     <a:masterClrMapping/>
   </p:clrMapOvr>
-  <mc:AlternateContent xmlns:mc="http://schemas.openxmlformats.org/markup-compatibility/2006" xmlns:p14="http://schemas.microsoft.com/office/powerpoint/2010/main">
-    <mc:Choice Requires="p14">
+  <mc:AlternateContent xmlns:mc="http://schemas.openxmlformats.org/markup-compatibility/2006">
+    <mc:Choice xmlns:p14="http://schemas.microsoft.com/office/powerpoint/2010/main" Requires="p14">
       <p:transition spd="slow" p14:dur="2000" advClick="0" advTm="5000"/>
     </mc:Choice>
-    <mc:Fallback xmlns="">
+    <mc:Fallback>
       <p:transition spd="slow" advClick="0" advTm="5000"/>
     </mc:Fallback>
   </mc:AlternateContent>

--- a/Courses/Computer-Modeling-and-IT/Computer-Modeling-and-IT-5-Class/18-Drawing-Figures/18-Drawing-Figures.pptx
+++ b/Courses/Computer-Modeling-and-IT/Computer-Modeling-and-IT-5-Class/18-Drawing-Figures/18-Drawing-Figures.pptx
@@ -9992,7 +9992,7 @@
             <a:r>
               <a:rPr lang="bg-BG" sz="2800" b="1" dirty="0">
                 <a:solidFill>
-                  <a:schemeClr val="bg1">
+                  <a:schemeClr val="accent1">
                     <a:lumMod val="60000"/>
                     <a:lumOff val="40000"/>
                   </a:schemeClr>
@@ -10025,7 +10025,7 @@
             <a:r>
               <a:rPr lang="bg-BG" sz="2800" b="1" dirty="0">
                 <a:solidFill>
-                  <a:schemeClr val="bg1">
+                  <a:schemeClr val="accent1">
                     <a:lumMod val="60000"/>
                     <a:lumOff val="40000"/>
                   </a:schemeClr>
@@ -10042,7 +10042,7 @@
             </a:r>
             <a:endParaRPr lang="en-US" sz="2800" b="1" dirty="0">
               <a:solidFill>
-                <a:schemeClr val="bg1">
+                <a:schemeClr val="accent1">
                   <a:lumMod val="60000"/>
                   <a:lumOff val="40000"/>
                 </a:schemeClr>
@@ -11389,7 +11389,7 @@
             <a:r>
               <a:rPr lang="bg-BG" sz="3400" b="1" dirty="0">
                 <a:solidFill>
-                  <a:schemeClr val="bg1">
+                  <a:schemeClr val="accent1">
                     <a:lumMod val="60000"/>
                     <a:lumOff val="40000"/>
                   </a:schemeClr>
@@ -11487,13 +11487,24 @@
             <a:r>
               <a:rPr lang="bg-BG" sz="3400" b="1" dirty="0">
                 <a:solidFill>
+                  <a:schemeClr val="accent1">
+                    <a:lumMod val="60000"/>
+                    <a:lumOff val="40000"/>
+                  </a:schemeClr>
+                </a:solidFill>
+              </a:rPr>
+              <a:t>Молив</a:t>
+            </a:r>
+            <a:r>
+              <a:rPr lang="bg-BG" sz="3400" b="1" dirty="0">
+                <a:solidFill>
                   <a:schemeClr val="bg1">
                     <a:lumMod val="60000"/>
                     <a:lumOff val="40000"/>
                   </a:schemeClr>
                 </a:solidFill>
               </a:rPr>
-              <a:t>Молив </a:t>
+              <a:t> </a:t>
             </a:r>
             <a:r>
               <a:rPr lang="bg-BG" sz="3400" dirty="0">
@@ -12361,11 +12372,11 @@
   <p:clrMapOvr>
     <a:masterClrMapping/>
   </p:clrMapOvr>
-  <mc:AlternateContent xmlns:mc="http://schemas.openxmlformats.org/markup-compatibility/2006">
-    <mc:Choice xmlns:p14="http://schemas.microsoft.com/office/powerpoint/2010/main" Requires="p14">
+  <mc:AlternateContent xmlns:mc="http://schemas.openxmlformats.org/markup-compatibility/2006" xmlns:p14="http://schemas.microsoft.com/office/powerpoint/2010/main">
+    <mc:Choice Requires="p14">
       <p:transition spd="slow" p14:dur="2000" advClick="0" advTm="5000"/>
     </mc:Choice>
-    <mc:Fallback>
+    <mc:Fallback xmlns="">
       <p:transition spd="slow" advClick="0" advTm="5000"/>
     </mc:Fallback>
   </mc:AlternateContent>
@@ -13796,7 +13807,7 @@
             <a:r>
               <a:rPr lang="bg-BG" sz="2900" b="1" dirty="0">
                 <a:solidFill>
-                  <a:schemeClr val="bg1">
+                  <a:schemeClr val="accent1">
                     <a:lumMod val="60000"/>
                     <a:lumOff val="40000"/>
                   </a:schemeClr>
@@ -13806,7 +13817,7 @@
             </a:r>
             <a:endParaRPr lang="en-US" sz="2900" b="1" dirty="0">
               <a:solidFill>
-                <a:schemeClr val="bg1">
+                <a:schemeClr val="accent1">
                   <a:lumMod val="60000"/>
                   <a:lumOff val="40000"/>
                 </a:schemeClr>
